--- a/Documentation/Patent Bank_presentacion.pptx
+++ b/Documentation/Patent Bank_presentacion.pptx
@@ -5,62 +5,63 @@
     <p:sldMasterId id="2147483766" r:id="rId1"/>
   </p:sldMasterIdLst>
   <p:notesMasterIdLst>
-    <p:notesMasterId r:id="rId13"/>
+    <p:notesMasterId r:id="rId14"/>
   </p:notesMasterIdLst>
   <p:sldIdLst>
-    <p:sldId id="256" r:id="rId2"/>
-    <p:sldId id="258" r:id="rId3"/>
-    <p:sldId id="264" r:id="rId4"/>
-    <p:sldId id="265" r:id="rId5"/>
-    <p:sldId id="311" r:id="rId6"/>
-    <p:sldId id="312" r:id="rId7"/>
-    <p:sldId id="313" r:id="rId8"/>
-    <p:sldId id="301" r:id="rId9"/>
-    <p:sldId id="314" r:id="rId10"/>
-    <p:sldId id="315" r:id="rId11"/>
-    <p:sldId id="316" r:id="rId12"/>
+    <p:sldId id="318" r:id="rId2"/>
+    <p:sldId id="256" r:id="rId3"/>
+    <p:sldId id="258" r:id="rId4"/>
+    <p:sldId id="264" r:id="rId5"/>
+    <p:sldId id="265" r:id="rId6"/>
+    <p:sldId id="311" r:id="rId7"/>
+    <p:sldId id="312" r:id="rId8"/>
+    <p:sldId id="313" r:id="rId9"/>
+    <p:sldId id="301" r:id="rId10"/>
+    <p:sldId id="314" r:id="rId11"/>
+    <p:sldId id="315" r:id="rId12"/>
+    <p:sldId id="316" r:id="rId13"/>
   </p:sldIdLst>
   <p:sldSz cx="9144000" cy="5143500" type="screen16x9"/>
   <p:notesSz cx="6858000" cy="9144000"/>
   <p:embeddedFontLst>
     <p:embeddedFont>
       <p:font typeface="Cascadia Mono SemiBold" panose="020B0609020000020004" pitchFamily="49" charset="0"/>
-      <p:bold r:id="rId14"/>
+      <p:bold r:id="rId15"/>
+    </p:embeddedFont>
+    <p:embeddedFont>
+      <p:font typeface="Century Gothic" panose="020B0502020202020204" pitchFamily="34" charset="0"/>
+      <p:regular r:id="rId16"/>
+      <p:bold r:id="rId17"/>
+      <p:italic r:id="rId18"/>
+      <p:boldItalic r:id="rId19"/>
     </p:embeddedFont>
     <p:embeddedFont>
       <p:font typeface="Hammersmith One" panose="020B0604020202020204" charset="0"/>
-      <p:regular r:id="rId15"/>
+      <p:regular r:id="rId20"/>
+    </p:embeddedFont>
+    <p:embeddedFont>
+      <p:font typeface="Microsoft Sans Serif" panose="020B0604020202020204" pitchFamily="34" charset="0"/>
+      <p:regular r:id="rId21"/>
     </p:embeddedFont>
     <p:embeddedFont>
       <p:font typeface="MingLiU-ExtB" panose="02020500000000000000" pitchFamily="18" charset="-120"/>
-      <p:regular r:id="rId16"/>
+      <p:regular r:id="rId22"/>
+    </p:embeddedFont>
+    <p:embeddedFont>
+      <p:font typeface="MS PGothic" panose="020B0600070205080204" pitchFamily="34" charset="-128"/>
+      <p:regular r:id="rId23"/>
     </p:embeddedFont>
     <p:embeddedFont>
       <p:font typeface="Nirmala UI Semilight" panose="020B0402040204020203" pitchFamily="34" charset="0"/>
-      <p:regular r:id="rId17"/>
-    </p:embeddedFont>
-    <p:embeddedFont>
-      <p:font typeface="Microsoft Sans Serif" panose="020B0604020202020204" pitchFamily="34" charset="0"/>
-      <p:regular r:id="rId18"/>
-    </p:embeddedFont>
-    <p:embeddedFont>
-      <p:font typeface="Century Gothic" panose="020B0502020202020204" pitchFamily="34" charset="0"/>
-      <p:regular r:id="rId19"/>
-      <p:bold r:id="rId20"/>
-      <p:italic r:id="rId21"/>
-      <p:boldItalic r:id="rId22"/>
-    </p:embeddedFont>
-    <p:embeddedFont>
-      <p:font typeface="Wingdings 3" panose="05040102010807070707" pitchFamily="18" charset="2"/>
-      <p:regular r:id="rId23"/>
-    </p:embeddedFont>
-    <p:embeddedFont>
-      <p:font typeface="MS PGothic" panose="020B0600070205080204" pitchFamily="34" charset="-128"/>
       <p:regular r:id="rId24"/>
     </p:embeddedFont>
     <p:embeddedFont>
       <p:font typeface="OCR A Extended" panose="02010509020102010303" pitchFamily="50" charset="0"/>
       <p:regular r:id="rId25"/>
+    </p:embeddedFont>
+    <p:embeddedFont>
+      <p:font typeface="Wingdings 3" panose="05040102010807070707" pitchFamily="18" charset="2"/>
+      <p:regular r:id="rId26"/>
     </p:embeddedFont>
   </p:embeddedFontLst>
   <p:defaultTextStyle>
@@ -1128,6 +1129,11 @@
         </p:txBody>
       </p:sp>
     </p:spTree>
+    <p:extLst>
+      <p:ext uri="{BB962C8B-B14F-4D97-AF65-F5344CB8AC3E}">
+        <p14:creationId xmlns:p14="http://schemas.microsoft.com/office/powerpoint/2010/main" val="3152375254"/>
+      </p:ext>
+    </p:extLst>
   </p:cSld>
   <p:clrMapOvr>
     <a:masterClrMapping/>
@@ -1140,7 +1146,7 @@
   <p:cSld>
     <p:spTree>
       <p:nvGrpSpPr>
-        <p:cNvPr id="1" name="Shape 1328"/>
+        <p:cNvPr id="1" name="Shape 1384"/>
         <p:cNvGrpSpPr/>
         <p:nvPr/>
       </p:nvGrpSpPr>
@@ -1154,7 +1160,7 @@
       </p:grpSpPr>
       <p:sp>
         <p:nvSpPr>
-          <p:cNvPr id="1329" name="Google Shape;1329;gc6a01074ef_0_17978:notes"/>
+          <p:cNvPr id="1385" name="Google Shape;1385;gc33250489b_0_227:notes"/>
           <p:cNvSpPr>
             <a:spLocks noGrp="1" noRot="1" noChangeAspect="1"/>
           </p:cNvSpPr>
@@ -1195,7 +1201,7 @@
       </p:sp>
       <p:sp>
         <p:nvSpPr>
-          <p:cNvPr id="1330" name="Google Shape;1330;gc6a01074ef_0_17978:notes"/>
+          <p:cNvPr id="1386" name="Google Shape;1386;gc33250489b_0_227:notes"/>
           <p:cNvSpPr txBox="1">
             <a:spLocks noGrp="1"/>
           </p:cNvSpPr>
@@ -1234,7 +1240,7 @@
     </p:spTree>
     <p:extLst>
       <p:ext uri="{BB962C8B-B14F-4D97-AF65-F5344CB8AC3E}">
-        <p14:creationId xmlns:p14="http://schemas.microsoft.com/office/powerpoint/2010/main" val="2974577033"/>
+        <p14:creationId xmlns:p14="http://schemas.microsoft.com/office/powerpoint/2010/main" val="3179635287"/>
       </p:ext>
     </p:extLst>
   </p:cSld>
@@ -1249,7 +1255,7 @@
   <p:cSld>
     <p:spTree>
       <p:nvGrpSpPr>
-        <p:cNvPr id="1" name="Shape 2177"/>
+        <p:cNvPr id="1" name="Shape 1328"/>
         <p:cNvGrpSpPr/>
         <p:nvPr/>
       </p:nvGrpSpPr>
@@ -1263,7 +1269,7 @@
       </p:grpSpPr>
       <p:sp>
         <p:nvSpPr>
-          <p:cNvPr id="2178" name="Google Shape;2178;gc6a01074ef_0_20004:notes"/>
+          <p:cNvPr id="1329" name="Google Shape;1329;gc6a01074ef_0_17978:notes"/>
           <p:cNvSpPr>
             <a:spLocks noGrp="1" noRot="1" noChangeAspect="1"/>
           </p:cNvSpPr>
@@ -1304,7 +1310,7 @@
       </p:sp>
       <p:sp>
         <p:nvSpPr>
-          <p:cNvPr id="2179" name="Google Shape;2179;gc6a01074ef_0_20004:notes"/>
+          <p:cNvPr id="1330" name="Google Shape;1330;gc6a01074ef_0_17978:notes"/>
           <p:cNvSpPr txBox="1">
             <a:spLocks noGrp="1"/>
           </p:cNvSpPr>
@@ -1343,7 +1349,7 @@
     </p:spTree>
     <p:extLst>
       <p:ext uri="{BB962C8B-B14F-4D97-AF65-F5344CB8AC3E}">
-        <p14:creationId xmlns:p14="http://schemas.microsoft.com/office/powerpoint/2010/main" val="1956916903"/>
+        <p14:creationId xmlns:p14="http://schemas.microsoft.com/office/powerpoint/2010/main" val="2974577033"/>
       </p:ext>
     </p:extLst>
   </p:cSld>
@@ -1353,12 +1359,12 @@
 </p:notes>
 </file>
 
-<file path=ppt/notesSlides/notesSlide2.xml><?xml version="1.0" encoding="utf-8"?>
+<file path=ppt/notesSlides/notesSlide12.xml><?xml version="1.0" encoding="utf-8"?>
 <p:notes xmlns:a="http://schemas.openxmlformats.org/drawingml/2006/main" xmlns:r="http://schemas.openxmlformats.org/officeDocument/2006/relationships" xmlns:p="http://schemas.openxmlformats.org/presentationml/2006/main" showMasterSp="0" showMasterPhAnim="0">
   <p:cSld>
     <p:spTree>
       <p:nvGrpSpPr>
-        <p:cNvPr id="1" name="Shape 1328"/>
+        <p:cNvPr id="1" name="Shape 2177"/>
         <p:cNvGrpSpPr/>
         <p:nvPr/>
       </p:nvGrpSpPr>
@@ -1372,7 +1378,7 @@
       </p:grpSpPr>
       <p:sp>
         <p:nvSpPr>
-          <p:cNvPr id="1329" name="Google Shape;1329;gc6a01074ef_0_17978:notes"/>
+          <p:cNvPr id="2178" name="Google Shape;2178;gc6a01074ef_0_20004:notes"/>
           <p:cNvSpPr>
             <a:spLocks noGrp="1" noRot="1" noChangeAspect="1"/>
           </p:cNvSpPr>
@@ -1413,7 +1419,7 @@
       </p:sp>
       <p:sp>
         <p:nvSpPr>
-          <p:cNvPr id="1330" name="Google Shape;1330;gc6a01074ef_0_17978:notes"/>
+          <p:cNvPr id="2179" name="Google Shape;2179;gc6a01074ef_0_20004:notes"/>
           <p:cNvSpPr txBox="1">
             <a:spLocks noGrp="1"/>
           </p:cNvSpPr>
@@ -1450,6 +1456,11 @@
         </p:txBody>
       </p:sp>
     </p:spTree>
+    <p:extLst>
+      <p:ext uri="{BB962C8B-B14F-4D97-AF65-F5344CB8AC3E}">
+        <p14:creationId xmlns:p14="http://schemas.microsoft.com/office/powerpoint/2010/main" val="1956916903"/>
+      </p:ext>
+    </p:extLst>
   </p:cSld>
   <p:clrMapOvr>
     <a:masterClrMapping/>
@@ -1457,12 +1468,12 @@
 </p:notes>
 </file>
 
-<file path=ppt/notesSlides/notesSlide3.xml><?xml version="1.0" encoding="utf-8"?>
+<file path=ppt/notesSlides/notesSlide2.xml><?xml version="1.0" encoding="utf-8"?>
 <p:notes xmlns:a="http://schemas.openxmlformats.org/drawingml/2006/main" xmlns:r="http://schemas.openxmlformats.org/officeDocument/2006/relationships" xmlns:p="http://schemas.openxmlformats.org/presentationml/2006/main" showMasterSp="0" showMasterPhAnim="0">
   <p:cSld>
     <p:spTree>
       <p:nvGrpSpPr>
-        <p:cNvPr id="1" name="Shape 1384"/>
+        <p:cNvPr id="1" name="Shape 1316"/>
         <p:cNvGrpSpPr/>
         <p:nvPr/>
       </p:nvGrpSpPr>
@@ -1476,7 +1487,7 @@
       </p:grpSpPr>
       <p:sp>
         <p:nvSpPr>
-          <p:cNvPr id="1385" name="Google Shape;1385;gc33250489b_0_227:notes"/>
+          <p:cNvPr id="1317" name="Google Shape;1317;p:notes"/>
           <p:cNvSpPr>
             <a:spLocks noGrp="1" noRot="1" noChangeAspect="1"/>
           </p:cNvSpPr>
@@ -1517,7 +1528,7 @@
       </p:sp>
       <p:sp>
         <p:nvSpPr>
-          <p:cNvPr id="1386" name="Google Shape;1386;gc33250489b_0_227:notes"/>
+          <p:cNvPr id="1318" name="Google Shape;1318;p:notes"/>
           <p:cNvSpPr txBox="1">
             <a:spLocks noGrp="1"/>
           </p:cNvSpPr>
@@ -1561,12 +1572,12 @@
 </p:notes>
 </file>
 
-<file path=ppt/notesSlides/notesSlide4.xml><?xml version="1.0" encoding="utf-8"?>
+<file path=ppt/notesSlides/notesSlide3.xml><?xml version="1.0" encoding="utf-8"?>
 <p:notes xmlns:a="http://schemas.openxmlformats.org/drawingml/2006/main" xmlns:r="http://schemas.openxmlformats.org/officeDocument/2006/relationships" xmlns:p="http://schemas.openxmlformats.org/presentationml/2006/main" showMasterSp="0" showMasterPhAnim="0">
   <p:cSld>
     <p:spTree>
       <p:nvGrpSpPr>
-        <p:cNvPr id="1" name="Shape 1394"/>
+        <p:cNvPr id="1" name="Shape 1328"/>
         <p:cNvGrpSpPr/>
         <p:nvPr/>
       </p:nvGrpSpPr>
@@ -1580,7 +1591,7 @@
       </p:grpSpPr>
       <p:sp>
         <p:nvSpPr>
-          <p:cNvPr id="1395" name="Google Shape;1395;gc72ba98ae8_1_456:notes"/>
+          <p:cNvPr id="1329" name="Google Shape;1329;gc6a01074ef_0_17978:notes"/>
           <p:cNvSpPr>
             <a:spLocks noGrp="1" noRot="1" noChangeAspect="1"/>
           </p:cNvSpPr>
@@ -1621,7 +1632,7 @@
       </p:sp>
       <p:sp>
         <p:nvSpPr>
-          <p:cNvPr id="1396" name="Google Shape;1396;gc72ba98ae8_1_456:notes"/>
+          <p:cNvPr id="1330" name="Google Shape;1330;gc6a01074ef_0_17978:notes"/>
           <p:cNvSpPr txBox="1">
             <a:spLocks noGrp="1"/>
           </p:cNvSpPr>
@@ -1653,7 +1664,7 @@
               </a:spcAft>
               <a:buNone/>
             </a:pPr>
-            <a:endParaRPr dirty="0"/>
+            <a:endParaRPr/>
           </a:p>
         </p:txBody>
       </p:sp>
@@ -1665,7 +1676,7 @@
 </p:notes>
 </file>
 
-<file path=ppt/notesSlides/notesSlide5.xml><?xml version="1.0" encoding="utf-8"?>
+<file path=ppt/notesSlides/notesSlide4.xml><?xml version="1.0" encoding="utf-8"?>
 <p:notes xmlns:a="http://schemas.openxmlformats.org/drawingml/2006/main" xmlns:r="http://schemas.openxmlformats.org/officeDocument/2006/relationships" xmlns:p="http://schemas.openxmlformats.org/presentationml/2006/main" showMasterSp="0" showMasterPhAnim="0">
   <p:cSld>
     <p:spTree>
@@ -1762,11 +1773,6 @@
         </p:txBody>
       </p:sp>
     </p:spTree>
-    <p:extLst>
-      <p:ext uri="{BB962C8B-B14F-4D97-AF65-F5344CB8AC3E}">
-        <p14:creationId xmlns:p14="http://schemas.microsoft.com/office/powerpoint/2010/main" val="3436060907"/>
-      </p:ext>
-    </p:extLst>
   </p:cSld>
   <p:clrMapOvr>
     <a:masterClrMapping/>
@@ -1774,12 +1780,12 @@
 </p:notes>
 </file>
 
-<file path=ppt/notesSlides/notesSlide6.xml><?xml version="1.0" encoding="utf-8"?>
+<file path=ppt/notesSlides/notesSlide5.xml><?xml version="1.0" encoding="utf-8"?>
 <p:notes xmlns:a="http://schemas.openxmlformats.org/drawingml/2006/main" xmlns:r="http://schemas.openxmlformats.org/officeDocument/2006/relationships" xmlns:p="http://schemas.openxmlformats.org/presentationml/2006/main" showMasterSp="0" showMasterPhAnim="0">
   <p:cSld>
     <p:spTree>
       <p:nvGrpSpPr>
-        <p:cNvPr id="1" name="Shape 1328"/>
+        <p:cNvPr id="1" name="Shape 1394"/>
         <p:cNvGrpSpPr/>
         <p:nvPr/>
       </p:nvGrpSpPr>
@@ -1793,7 +1799,7 @@
       </p:grpSpPr>
       <p:sp>
         <p:nvSpPr>
-          <p:cNvPr id="1329" name="Google Shape;1329;gc6a01074ef_0_17978:notes"/>
+          <p:cNvPr id="1395" name="Google Shape;1395;gc72ba98ae8_1_456:notes"/>
           <p:cNvSpPr>
             <a:spLocks noGrp="1" noRot="1" noChangeAspect="1"/>
           </p:cNvSpPr>
@@ -1834,7 +1840,7 @@
       </p:sp>
       <p:sp>
         <p:nvSpPr>
-          <p:cNvPr id="1330" name="Google Shape;1330;gc6a01074ef_0_17978:notes"/>
+          <p:cNvPr id="1396" name="Google Shape;1396;gc72ba98ae8_1_456:notes"/>
           <p:cNvSpPr txBox="1">
             <a:spLocks noGrp="1"/>
           </p:cNvSpPr>
@@ -1866,16 +1872,11 @@
               </a:spcAft>
               <a:buNone/>
             </a:pPr>
-            <a:endParaRPr/>
+            <a:endParaRPr dirty="0"/>
           </a:p>
         </p:txBody>
       </p:sp>
     </p:spTree>
-    <p:extLst>
-      <p:ext uri="{BB962C8B-B14F-4D97-AF65-F5344CB8AC3E}">
-        <p14:creationId xmlns:p14="http://schemas.microsoft.com/office/powerpoint/2010/main" val="276106773"/>
-      </p:ext>
-    </p:extLst>
   </p:cSld>
   <p:clrMapOvr>
     <a:masterClrMapping/>
@@ -1883,7 +1884,7 @@
 </p:notes>
 </file>
 
-<file path=ppt/notesSlides/notesSlide7.xml><?xml version="1.0" encoding="utf-8"?>
+<file path=ppt/notesSlides/notesSlide6.xml><?xml version="1.0" encoding="utf-8"?>
 <p:notes xmlns:a="http://schemas.openxmlformats.org/drawingml/2006/main" xmlns:r="http://schemas.openxmlformats.org/officeDocument/2006/relationships" xmlns:p="http://schemas.openxmlformats.org/presentationml/2006/main" showMasterSp="0" showMasterPhAnim="0">
   <p:cSld>
     <p:spTree>
@@ -1982,7 +1983,7 @@
     </p:spTree>
     <p:extLst>
       <p:ext uri="{BB962C8B-B14F-4D97-AF65-F5344CB8AC3E}">
-        <p14:creationId xmlns:p14="http://schemas.microsoft.com/office/powerpoint/2010/main" val="54973063"/>
+        <p14:creationId xmlns:p14="http://schemas.microsoft.com/office/powerpoint/2010/main" val="3436060907"/>
       </p:ext>
     </p:extLst>
   </p:cSld>
@@ -1992,12 +1993,12 @@
 </p:notes>
 </file>
 
-<file path=ppt/notesSlides/notesSlide8.xml><?xml version="1.0" encoding="utf-8"?>
+<file path=ppt/notesSlides/notesSlide7.xml><?xml version="1.0" encoding="utf-8"?>
 <p:notes xmlns:a="http://schemas.openxmlformats.org/drawingml/2006/main" xmlns:r="http://schemas.openxmlformats.org/officeDocument/2006/relationships" xmlns:p="http://schemas.openxmlformats.org/presentationml/2006/main" showMasterSp="0" showMasterPhAnim="0">
   <p:cSld>
     <p:spTree>
       <p:nvGrpSpPr>
-        <p:cNvPr id="1" name="Shape 2177"/>
+        <p:cNvPr id="1" name="Shape 1328"/>
         <p:cNvGrpSpPr/>
         <p:nvPr/>
       </p:nvGrpSpPr>
@@ -2011,7 +2012,7 @@
       </p:grpSpPr>
       <p:sp>
         <p:nvSpPr>
-          <p:cNvPr id="2178" name="Google Shape;2178;gc6a01074ef_0_20004:notes"/>
+          <p:cNvPr id="1329" name="Google Shape;1329;gc6a01074ef_0_17978:notes"/>
           <p:cNvSpPr>
             <a:spLocks noGrp="1" noRot="1" noChangeAspect="1"/>
           </p:cNvSpPr>
@@ -2052,7 +2053,7 @@
       </p:sp>
       <p:sp>
         <p:nvSpPr>
-          <p:cNvPr id="2179" name="Google Shape;2179;gc6a01074ef_0_20004:notes"/>
+          <p:cNvPr id="1330" name="Google Shape;1330;gc6a01074ef_0_17978:notes"/>
           <p:cNvSpPr txBox="1">
             <a:spLocks noGrp="1"/>
           </p:cNvSpPr>
@@ -2089,6 +2090,11 @@
         </p:txBody>
       </p:sp>
     </p:spTree>
+    <p:extLst>
+      <p:ext uri="{BB962C8B-B14F-4D97-AF65-F5344CB8AC3E}">
+        <p14:creationId xmlns:p14="http://schemas.microsoft.com/office/powerpoint/2010/main" val="276106773"/>
+      </p:ext>
+    </p:extLst>
   </p:cSld>
   <p:clrMapOvr>
     <a:masterClrMapping/>
@@ -2096,7 +2102,7 @@
 </p:notes>
 </file>
 
-<file path=ppt/notesSlides/notesSlide9.xml><?xml version="1.0" encoding="utf-8"?>
+<file path=ppt/notesSlides/notesSlide8.xml><?xml version="1.0" encoding="utf-8"?>
 <p:notes xmlns:a="http://schemas.openxmlformats.org/drawingml/2006/main" xmlns:r="http://schemas.openxmlformats.org/officeDocument/2006/relationships" xmlns:p="http://schemas.openxmlformats.org/presentationml/2006/main" showMasterSp="0" showMasterPhAnim="0">
   <p:cSld>
     <p:spTree>
@@ -2195,9 +2201,113 @@
     </p:spTree>
     <p:extLst>
       <p:ext uri="{BB962C8B-B14F-4D97-AF65-F5344CB8AC3E}">
-        <p14:creationId xmlns:p14="http://schemas.microsoft.com/office/powerpoint/2010/main" val="3179635287"/>
+        <p14:creationId xmlns:p14="http://schemas.microsoft.com/office/powerpoint/2010/main" val="54973063"/>
       </p:ext>
     </p:extLst>
+  </p:cSld>
+  <p:clrMapOvr>
+    <a:masterClrMapping/>
+  </p:clrMapOvr>
+</p:notes>
+</file>
+
+<file path=ppt/notesSlides/notesSlide9.xml><?xml version="1.0" encoding="utf-8"?>
+<p:notes xmlns:a="http://schemas.openxmlformats.org/drawingml/2006/main" xmlns:r="http://schemas.openxmlformats.org/officeDocument/2006/relationships" xmlns:p="http://schemas.openxmlformats.org/presentationml/2006/main" showMasterSp="0" showMasterPhAnim="0">
+  <p:cSld>
+    <p:spTree>
+      <p:nvGrpSpPr>
+        <p:cNvPr id="1" name="Shape 2177"/>
+        <p:cNvGrpSpPr/>
+        <p:nvPr/>
+      </p:nvGrpSpPr>
+      <p:grpSpPr>
+        <a:xfrm>
+          <a:off x="0" y="0"/>
+          <a:ext cx="0" cy="0"/>
+          <a:chOff x="0" y="0"/>
+          <a:chExt cx="0" cy="0"/>
+        </a:xfrm>
+      </p:grpSpPr>
+      <p:sp>
+        <p:nvSpPr>
+          <p:cNvPr id="2178" name="Google Shape;2178;gc6a01074ef_0_20004:notes"/>
+          <p:cNvSpPr>
+            <a:spLocks noGrp="1" noRot="1" noChangeAspect="1"/>
+          </p:cNvSpPr>
+          <p:nvPr>
+            <p:ph type="sldImg" idx="2"/>
+          </p:nvPr>
+        </p:nvSpPr>
+        <p:spPr>
+          <a:xfrm>
+            <a:off x="381000" y="685800"/>
+            <a:ext cx="6096000" cy="3429000"/>
+          </a:xfrm>
+          <a:custGeom>
+            <a:avLst/>
+            <a:gdLst/>
+            <a:ahLst/>
+            <a:cxnLst/>
+            <a:rect l="l" t="t" r="r" b="b"/>
+            <a:pathLst>
+              <a:path w="120000" h="120000" extrusionOk="0">
+                <a:moveTo>
+                  <a:pt x="0" y="0"/>
+                </a:moveTo>
+                <a:lnTo>
+                  <a:pt x="120000" y="0"/>
+                </a:lnTo>
+                <a:lnTo>
+                  <a:pt x="120000" y="120000"/>
+                </a:lnTo>
+                <a:lnTo>
+                  <a:pt x="0" y="120000"/>
+                </a:lnTo>
+                <a:close/>
+              </a:path>
+            </a:pathLst>
+          </a:custGeom>
+        </p:spPr>
+      </p:sp>
+      <p:sp>
+        <p:nvSpPr>
+          <p:cNvPr id="2179" name="Google Shape;2179;gc6a01074ef_0_20004:notes"/>
+          <p:cNvSpPr txBox="1">
+            <a:spLocks noGrp="1"/>
+          </p:cNvSpPr>
+          <p:nvPr>
+            <p:ph type="body" idx="1"/>
+          </p:nvPr>
+        </p:nvSpPr>
+        <p:spPr>
+          <a:xfrm>
+            <a:off x="685800" y="4343400"/>
+            <a:ext cx="5486400" cy="4114800"/>
+          </a:xfrm>
+          <a:prstGeom prst="rect">
+            <a:avLst/>
+          </a:prstGeom>
+        </p:spPr>
+        <p:txBody>
+          <a:bodyPr spcFirstLastPara="1" wrap="square" lIns="91425" tIns="91425" rIns="91425" bIns="91425" anchor="t" anchorCtr="0">
+            <a:noAutofit/>
+          </a:bodyPr>
+          <a:lstStyle/>
+          <a:p>
+            <a:pPr marL="0" lvl="0" indent="0" algn="l" rtl="0">
+              <a:spcBef>
+                <a:spcPts val="0"/>
+              </a:spcBef>
+              <a:spcAft>
+                <a:spcPts val="0"/>
+              </a:spcAft>
+              <a:buNone/>
+            </a:pPr>
+            <a:endParaRPr/>
+          </a:p>
+        </p:txBody>
+      </p:sp>
+    </p:spTree>
   </p:cSld>
   <p:clrMapOvr>
     <a:masterClrMapping/>
@@ -2249,7 +2359,7 @@
           </a:lstStyle>
           <a:p>
             <a:r>
-              <a:rPr lang="bg-BG" smtClean="0"/>
+              <a:rPr lang="bg-BG"/>
               <a:t>Редакт. стил загл. образец</a:t>
             </a:r>
             <a:endParaRPr lang="en-US" dirty="0"/>
@@ -2369,7 +2479,7 @@
           </a:lstStyle>
           <a:p>
             <a:r>
-              <a:rPr lang="bg-BG" smtClean="0"/>
+              <a:rPr lang="bg-BG"/>
               <a:t>Щракнете, за да редактирате стила на подзаглавието в образеца</a:t>
             </a:r>
             <a:endParaRPr lang="en-US" dirty="0"/>
@@ -2393,7 +2503,7 @@
           <a:p>
             <a:fld id="{4AAD347D-5ACD-4C99-B74B-A9C85AD731AF}" type="datetimeFigureOut">
               <a:rPr lang="en-US" smtClean="0"/>
-              <a:t>1/13/2024</a:t>
+              <a:t>1/15/2024</a:t>
             </a:fld>
             <a:endParaRPr lang="en-US" dirty="0"/>
           </a:p>
@@ -2586,7 +2696,7 @@
           </a:lstStyle>
           <a:p>
             <a:r>
-              <a:rPr lang="bg-BG" smtClean="0"/>
+              <a:rPr lang="bg-BG"/>
               <a:t>Редакт. стил загл. образец</a:t>
             </a:r>
             <a:endParaRPr lang="en-US" dirty="0"/>
@@ -2709,7 +2819,7 @@
           <a:p>
             <a:pPr lvl="0"/>
             <a:r>
-              <a:rPr lang="bg-BG" smtClean="0"/>
+              <a:rPr lang="bg-BG"/>
               <a:t>Редактиране на стиловете на текста в образеца</a:t>
             </a:r>
           </a:p>
@@ -2732,7 +2842,7 @@
           <a:p>
             <a:fld id="{4509A250-FF31-4206-8172-F9D3106AACB1}" type="datetimeFigureOut">
               <a:rPr lang="en-US" smtClean="0"/>
-              <a:t>1/13/2024</a:t>
+              <a:t>1/15/2024</a:t>
             </a:fld>
             <a:endParaRPr lang="en-US" dirty="0"/>
           </a:p>
@@ -2925,7 +3035,7 @@
           </a:lstStyle>
           <a:p>
             <a:r>
-              <a:rPr lang="bg-BG" smtClean="0"/>
+              <a:rPr lang="bg-BG"/>
               <a:t>Редакт. стил загл. образец</a:t>
             </a:r>
             <a:endParaRPr lang="en-US" dirty="0"/>
@@ -2989,7 +3099,7 @@
           <a:p>
             <a:pPr lvl="0"/>
             <a:r>
-              <a:rPr lang="bg-BG" smtClean="0"/>
+              <a:rPr lang="bg-BG"/>
               <a:t>Редактиране на стиловете на текста в образеца</a:t>
             </a:r>
           </a:p>
@@ -3111,7 +3221,7 @@
           <a:p>
             <a:pPr lvl="0"/>
             <a:r>
-              <a:rPr lang="bg-BG" smtClean="0"/>
+              <a:rPr lang="bg-BG"/>
               <a:t>Редактиране на стиловете на текста в образеца</a:t>
             </a:r>
           </a:p>
@@ -3134,7 +3244,7 @@
           <a:p>
             <a:fld id="{4509A250-FF31-4206-8172-F9D3106AACB1}" type="datetimeFigureOut">
               <a:rPr lang="en-US" smtClean="0"/>
-              <a:t>1/13/2024</a:t>
+              <a:t>1/15/2024</a:t>
             </a:fld>
             <a:endParaRPr lang="en-US" dirty="0"/>
           </a:p>
@@ -3403,7 +3513,7 @@
           </a:lstStyle>
           <a:p>
             <a:r>
-              <a:rPr lang="bg-BG" smtClean="0"/>
+              <a:rPr lang="bg-BG"/>
               <a:t>Редакт. стил загл. образец</a:t>
             </a:r>
             <a:endParaRPr lang="en-US" dirty="0"/>
@@ -3448,7 +3558,7 @@
               <a:buNone/>
             </a:pPr>
             <a:r>
-              <a:rPr lang="bg-BG" smtClean="0"/>
+              <a:rPr lang="bg-BG"/>
               <a:t>Редактиране на стиловете на текста в образеца</a:t>
             </a:r>
           </a:p>
@@ -3471,7 +3581,7 @@
           <a:p>
             <a:fld id="{4509A250-FF31-4206-8172-F9D3106AACB1}" type="datetimeFigureOut">
               <a:rPr lang="en-US" smtClean="0"/>
-              <a:t>1/13/2024</a:t>
+              <a:t>1/15/2024</a:t>
             </a:fld>
             <a:endParaRPr lang="en-US" dirty="0"/>
           </a:p>
@@ -3664,7 +3774,7 @@
           </a:lstStyle>
           <a:p>
             <a:r>
-              <a:rPr lang="bg-BG" smtClean="0"/>
+              <a:rPr lang="bg-BG"/>
               <a:t>Редакт. стил загл. образец</a:t>
             </a:r>
             <a:endParaRPr lang="en-US" dirty="0"/>
@@ -3725,7 +3835,7 @@
           <a:p>
             <a:pPr lvl="0"/>
             <a:r>
-              <a:rPr lang="bg-BG" smtClean="0"/>
+              <a:rPr lang="bg-BG"/>
               <a:t>Редактиране на стиловете на текста в образеца</a:t>
             </a:r>
           </a:p>
@@ -3769,7 +3879,7 @@
               <a:buNone/>
             </a:pPr>
             <a:r>
-              <a:rPr lang="bg-BG" smtClean="0"/>
+              <a:rPr lang="bg-BG"/>
               <a:t>Редактиране на стиловете на текста в образеца</a:t>
             </a:r>
           </a:p>
@@ -3792,7 +3902,7 @@
           <a:p>
             <a:fld id="{4AAD347D-5ACD-4C99-B74B-A9C85AD731AF}" type="datetimeFigureOut">
               <a:rPr lang="en-US" smtClean="0"/>
-              <a:t>1/13/2024</a:t>
+              <a:t>1/15/2024</a:t>
             </a:fld>
             <a:endParaRPr lang="en-US" dirty="0"/>
           </a:p>
@@ -4061,7 +4171,7 @@
           </a:lstStyle>
           <a:p>
             <a:r>
-              <a:rPr lang="bg-BG" smtClean="0"/>
+              <a:rPr lang="bg-BG"/>
               <a:t>Редакт. стил загл. образец</a:t>
             </a:r>
             <a:endParaRPr lang="en-US" dirty="0"/>
@@ -4122,7 +4232,7 @@
           <a:p>
             <a:pPr lvl="0"/>
             <a:r>
-              <a:rPr lang="bg-BG" smtClean="0"/>
+              <a:rPr lang="bg-BG"/>
               <a:t>Редактиране на стиловете на текста в образеца</a:t>
             </a:r>
           </a:p>
@@ -4166,7 +4276,7 @@
               <a:buNone/>
             </a:pPr>
             <a:r>
-              <a:rPr lang="bg-BG" smtClean="0"/>
+              <a:rPr lang="bg-BG"/>
               <a:t>Редактиране на стиловете на текста в образеца</a:t>
             </a:r>
           </a:p>
@@ -4189,7 +4299,7 @@
           <a:p>
             <a:fld id="{4AAD347D-5ACD-4C99-B74B-A9C85AD731AF}" type="datetimeFigureOut">
               <a:rPr lang="en-US" smtClean="0"/>
-              <a:t>1/13/2024</a:t>
+              <a:t>1/15/2024</a:t>
             </a:fld>
             <a:endParaRPr lang="en-US" dirty="0"/>
           </a:p>
@@ -4371,7 +4481,7 @@
           <a:lstStyle/>
           <a:p>
             <a:r>
-              <a:rPr lang="bg-BG" smtClean="0"/>
+              <a:rPr lang="bg-BG"/>
               <a:t>Редакт. стил загл. образец</a:t>
             </a:r>
             <a:endParaRPr lang="en-US" dirty="0"/>
@@ -4395,35 +4505,35 @@
           <a:p>
             <a:pPr lvl="0"/>
             <a:r>
-              <a:rPr lang="bg-BG" smtClean="0"/>
+              <a:rPr lang="bg-BG"/>
               <a:t>Редактиране на стиловете на текста в образеца</a:t>
             </a:r>
           </a:p>
           <a:p>
             <a:pPr lvl="1"/>
             <a:r>
-              <a:rPr lang="bg-BG" smtClean="0"/>
+              <a:rPr lang="bg-BG"/>
               <a:t>Второ ниво</a:t>
             </a:r>
           </a:p>
           <a:p>
             <a:pPr lvl="2"/>
             <a:r>
-              <a:rPr lang="bg-BG" smtClean="0"/>
+              <a:rPr lang="bg-BG"/>
               <a:t>Трето ниво</a:t>
             </a:r>
           </a:p>
           <a:p>
             <a:pPr lvl="3"/>
             <a:r>
-              <a:rPr lang="bg-BG" smtClean="0"/>
+              <a:rPr lang="bg-BG"/>
               <a:t>Четвърто ниво</a:t>
             </a:r>
           </a:p>
           <a:p>
             <a:pPr lvl="4"/>
             <a:r>
-              <a:rPr lang="bg-BG" smtClean="0"/>
+              <a:rPr lang="bg-BG"/>
               <a:t>Пето ниво</a:t>
             </a:r>
             <a:endParaRPr lang="en-US" dirty="0"/>
@@ -4447,7 +4557,7 @@
           <a:p>
             <a:fld id="{4509A250-FF31-4206-8172-F9D3106AACB1}" type="datetimeFigureOut">
               <a:rPr lang="en-US" smtClean="0"/>
-              <a:t>1/13/2024</a:t>
+              <a:t>1/15/2024</a:t>
             </a:fld>
             <a:endParaRPr lang="en-US" dirty="0"/>
           </a:p>
@@ -4629,7 +4739,7 @@
           <a:lstStyle/>
           <a:p>
             <a:r>
-              <a:rPr lang="bg-BG" smtClean="0"/>
+              <a:rPr lang="bg-BG"/>
               <a:t>Редакт. стил загл. образец</a:t>
             </a:r>
             <a:endParaRPr lang="en-US" dirty="0"/>
@@ -4658,35 +4768,35 @@
           <a:p>
             <a:pPr lvl="0"/>
             <a:r>
-              <a:rPr lang="bg-BG" smtClean="0"/>
+              <a:rPr lang="bg-BG"/>
               <a:t>Редактиране на стиловете на текста в образеца</a:t>
             </a:r>
           </a:p>
           <a:p>
             <a:pPr lvl="1"/>
             <a:r>
-              <a:rPr lang="bg-BG" smtClean="0"/>
+              <a:rPr lang="bg-BG"/>
               <a:t>Второ ниво</a:t>
             </a:r>
           </a:p>
           <a:p>
             <a:pPr lvl="2"/>
             <a:r>
-              <a:rPr lang="bg-BG" smtClean="0"/>
+              <a:rPr lang="bg-BG"/>
               <a:t>Трето ниво</a:t>
             </a:r>
           </a:p>
           <a:p>
             <a:pPr lvl="3"/>
             <a:r>
-              <a:rPr lang="bg-BG" smtClean="0"/>
+              <a:rPr lang="bg-BG"/>
               <a:t>Четвърто ниво</a:t>
             </a:r>
           </a:p>
           <a:p>
             <a:pPr lvl="4"/>
             <a:r>
-              <a:rPr lang="bg-BG" smtClean="0"/>
+              <a:rPr lang="bg-BG"/>
               <a:t>Пето ниво</a:t>
             </a:r>
             <a:endParaRPr lang="en-US" dirty="0"/>
@@ -4710,7 +4820,7 @@
           <a:p>
             <a:fld id="{4509A250-FF31-4206-8172-F9D3106AACB1}" type="datetimeFigureOut">
               <a:rPr lang="en-US" smtClean="0"/>
-              <a:t>1/13/2024</a:t>
+              <a:t>1/15/2024</a:t>
             </a:fld>
             <a:endParaRPr lang="en-US" dirty="0"/>
           </a:p>
@@ -8159,7 +8269,7 @@
           <a:lstStyle/>
           <a:p>
             <a:r>
-              <a:rPr lang="bg-BG" smtClean="0"/>
+              <a:rPr lang="bg-BG"/>
               <a:t>Редакт. стил загл. образец</a:t>
             </a:r>
             <a:endParaRPr lang="en-US" dirty="0"/>
@@ -8188,35 +8298,35 @@
           <a:p>
             <a:pPr lvl="0"/>
             <a:r>
-              <a:rPr lang="bg-BG" smtClean="0"/>
+              <a:rPr lang="bg-BG"/>
               <a:t>Редактиране на стиловете на текста в образеца</a:t>
             </a:r>
           </a:p>
           <a:p>
             <a:pPr lvl="1"/>
             <a:r>
-              <a:rPr lang="bg-BG" smtClean="0"/>
+              <a:rPr lang="bg-BG"/>
               <a:t>Второ ниво</a:t>
             </a:r>
           </a:p>
           <a:p>
             <a:pPr lvl="2"/>
             <a:r>
-              <a:rPr lang="bg-BG" smtClean="0"/>
+              <a:rPr lang="bg-BG"/>
               <a:t>Трето ниво</a:t>
             </a:r>
           </a:p>
           <a:p>
             <a:pPr lvl="3"/>
             <a:r>
-              <a:rPr lang="bg-BG" smtClean="0"/>
+              <a:rPr lang="bg-BG"/>
               <a:t>Четвърто ниво</a:t>
             </a:r>
           </a:p>
           <a:p>
             <a:pPr lvl="4"/>
             <a:r>
-              <a:rPr lang="bg-BG" smtClean="0"/>
+              <a:rPr lang="bg-BG"/>
               <a:t>Пето ниво</a:t>
             </a:r>
             <a:endParaRPr lang="en-US" dirty="0"/>
@@ -8240,7 +8350,7 @@
           <a:p>
             <a:fld id="{4509A250-FF31-4206-8172-F9D3106AACB1}" type="datetimeFigureOut">
               <a:rPr lang="en-US" smtClean="0"/>
-              <a:t>1/13/2024</a:t>
+              <a:t>1/15/2024</a:t>
             </a:fld>
             <a:endParaRPr lang="en-US" dirty="0"/>
           </a:p>
@@ -8589,7 +8699,7 @@
           </a:lstStyle>
           <a:p>
             <a:r>
-              <a:rPr lang="bg-BG" smtClean="0"/>
+              <a:rPr lang="bg-BG"/>
               <a:t>Редакт. стил загл. образец</a:t>
             </a:r>
             <a:endParaRPr lang="en-US" dirty="0"/>
@@ -8710,7 +8820,7 @@
           <a:p>
             <a:pPr lvl="0"/>
             <a:r>
-              <a:rPr lang="bg-BG" smtClean="0"/>
+              <a:rPr lang="bg-BG"/>
               <a:t>Редактиране на стиловете на текста в образеца</a:t>
             </a:r>
           </a:p>
@@ -8733,7 +8843,7 @@
           <a:p>
             <a:fld id="{9796027F-7875-4030-9381-8BD8C4F21935}" type="datetimeFigureOut">
               <a:rPr lang="en-US" smtClean="0"/>
-              <a:t>1/13/2024</a:t>
+              <a:t>1/15/2024</a:t>
             </a:fld>
             <a:endParaRPr lang="en-US" dirty="0"/>
           </a:p>
@@ -8915,7 +9025,7 @@
           <a:lstStyle/>
           <a:p>
             <a:r>
-              <a:rPr lang="bg-BG" smtClean="0"/>
+              <a:rPr lang="bg-BG"/>
               <a:t>Редакт. стил загл. образец</a:t>
             </a:r>
             <a:endParaRPr lang="en-US" dirty="0"/>
@@ -8946,35 +9056,35 @@
           <a:p>
             <a:pPr lvl="0"/>
             <a:r>
-              <a:rPr lang="bg-BG" smtClean="0"/>
+              <a:rPr lang="bg-BG"/>
               <a:t>Редактиране на стиловете на текста в образеца</a:t>
             </a:r>
           </a:p>
           <a:p>
             <a:pPr lvl="1"/>
             <a:r>
-              <a:rPr lang="bg-BG" smtClean="0"/>
+              <a:rPr lang="bg-BG"/>
               <a:t>Второ ниво</a:t>
             </a:r>
           </a:p>
           <a:p>
             <a:pPr lvl="2"/>
             <a:r>
-              <a:rPr lang="bg-BG" smtClean="0"/>
+              <a:rPr lang="bg-BG"/>
               <a:t>Трето ниво</a:t>
             </a:r>
           </a:p>
           <a:p>
             <a:pPr lvl="3"/>
             <a:r>
-              <a:rPr lang="bg-BG" smtClean="0"/>
+              <a:rPr lang="bg-BG"/>
               <a:t>Четвърто ниво</a:t>
             </a:r>
           </a:p>
           <a:p>
             <a:pPr lvl="4"/>
             <a:r>
-              <a:rPr lang="bg-BG" smtClean="0"/>
+              <a:rPr lang="bg-BG"/>
               <a:t>Пето ниво</a:t>
             </a:r>
             <a:endParaRPr lang="en-US" dirty="0"/>
@@ -9005,35 +9115,35 @@
           <a:p>
             <a:pPr lvl="0"/>
             <a:r>
-              <a:rPr lang="bg-BG" smtClean="0"/>
+              <a:rPr lang="bg-BG"/>
               <a:t>Редактиране на стиловете на текста в образеца</a:t>
             </a:r>
           </a:p>
           <a:p>
             <a:pPr lvl="1"/>
             <a:r>
-              <a:rPr lang="bg-BG" smtClean="0"/>
+              <a:rPr lang="bg-BG"/>
               <a:t>Второ ниво</a:t>
             </a:r>
           </a:p>
           <a:p>
             <a:pPr lvl="2"/>
             <a:r>
-              <a:rPr lang="bg-BG" smtClean="0"/>
+              <a:rPr lang="bg-BG"/>
               <a:t>Трето ниво</a:t>
             </a:r>
           </a:p>
           <a:p>
             <a:pPr lvl="3"/>
             <a:r>
-              <a:rPr lang="bg-BG" smtClean="0"/>
+              <a:rPr lang="bg-BG"/>
               <a:t>Четвърто ниво</a:t>
             </a:r>
           </a:p>
           <a:p>
             <a:pPr lvl="4"/>
             <a:r>
-              <a:rPr lang="bg-BG" smtClean="0"/>
+              <a:rPr lang="bg-BG"/>
               <a:t>Пето ниво</a:t>
             </a:r>
             <a:endParaRPr lang="en-US" dirty="0"/>
@@ -9057,7 +9167,7 @@
           <a:p>
             <a:fld id="{9796027F-7875-4030-9381-8BD8C4F21935}" type="datetimeFigureOut">
               <a:rPr lang="en-US" smtClean="0"/>
-              <a:t>1/13/2024</a:t>
+              <a:t>1/15/2024</a:t>
             </a:fld>
             <a:endParaRPr lang="en-US" dirty="0"/>
           </a:p>
@@ -9239,7 +9349,7 @@
           <a:lstStyle/>
           <a:p>
             <a:r>
-              <a:rPr lang="bg-BG" smtClean="0"/>
+              <a:rPr lang="bg-BG"/>
               <a:t>Редакт. стил загл. образец</a:t>
             </a:r>
             <a:endParaRPr lang="en-US" dirty="0"/>
@@ -9307,7 +9417,7 @@
           <a:p>
             <a:pPr lvl="0"/>
             <a:r>
-              <a:rPr lang="bg-BG" smtClean="0"/>
+              <a:rPr lang="bg-BG"/>
               <a:t>Редактиране на стиловете на текста в образеца</a:t>
             </a:r>
           </a:p>
@@ -9337,35 +9447,35 @@
           <a:p>
             <a:pPr lvl="0"/>
             <a:r>
-              <a:rPr lang="bg-BG" smtClean="0"/>
+              <a:rPr lang="bg-BG"/>
               <a:t>Редактиране на стиловете на текста в образеца</a:t>
             </a:r>
           </a:p>
           <a:p>
             <a:pPr lvl="1"/>
             <a:r>
-              <a:rPr lang="bg-BG" smtClean="0"/>
+              <a:rPr lang="bg-BG"/>
               <a:t>Второ ниво</a:t>
             </a:r>
           </a:p>
           <a:p>
             <a:pPr lvl="2"/>
             <a:r>
-              <a:rPr lang="bg-BG" smtClean="0"/>
+              <a:rPr lang="bg-BG"/>
               <a:t>Трето ниво</a:t>
             </a:r>
           </a:p>
           <a:p>
             <a:pPr lvl="3"/>
             <a:r>
-              <a:rPr lang="bg-BG" smtClean="0"/>
+              <a:rPr lang="bg-BG"/>
               <a:t>Четвърто ниво</a:t>
             </a:r>
           </a:p>
           <a:p>
             <a:pPr lvl="4"/>
             <a:r>
-              <a:rPr lang="bg-BG" smtClean="0"/>
+              <a:rPr lang="bg-BG"/>
               <a:t>Пето ниво</a:t>
             </a:r>
             <a:endParaRPr lang="en-US" dirty="0"/>
@@ -9433,7 +9543,7 @@
           <a:p>
             <a:pPr lvl="0"/>
             <a:r>
-              <a:rPr lang="bg-BG" smtClean="0"/>
+              <a:rPr lang="bg-BG"/>
               <a:t>Редактиране на стиловете на текста в образеца</a:t>
             </a:r>
           </a:p>
@@ -9463,35 +9573,35 @@
           <a:p>
             <a:pPr lvl="0"/>
             <a:r>
-              <a:rPr lang="bg-BG" smtClean="0"/>
+              <a:rPr lang="bg-BG"/>
               <a:t>Редактиране на стиловете на текста в образеца</a:t>
             </a:r>
           </a:p>
           <a:p>
             <a:pPr lvl="1"/>
             <a:r>
-              <a:rPr lang="bg-BG" smtClean="0"/>
+              <a:rPr lang="bg-BG"/>
               <a:t>Второ ниво</a:t>
             </a:r>
           </a:p>
           <a:p>
             <a:pPr lvl="2"/>
             <a:r>
-              <a:rPr lang="bg-BG" smtClean="0"/>
+              <a:rPr lang="bg-BG"/>
               <a:t>Трето ниво</a:t>
             </a:r>
           </a:p>
           <a:p>
             <a:pPr lvl="3"/>
             <a:r>
-              <a:rPr lang="bg-BG" smtClean="0"/>
+              <a:rPr lang="bg-BG"/>
               <a:t>Четвърто ниво</a:t>
             </a:r>
           </a:p>
           <a:p>
             <a:pPr lvl="4"/>
             <a:r>
-              <a:rPr lang="bg-BG" smtClean="0"/>
+              <a:rPr lang="bg-BG"/>
               <a:t>Пето ниво</a:t>
             </a:r>
             <a:endParaRPr lang="en-US" dirty="0"/>
@@ -9515,7 +9625,7 @@
           <a:p>
             <a:fld id="{9796027F-7875-4030-9381-8BD8C4F21935}" type="datetimeFigureOut">
               <a:rPr lang="en-US" smtClean="0"/>
-              <a:t>1/13/2024</a:t>
+              <a:t>1/15/2024</a:t>
             </a:fld>
             <a:endParaRPr lang="en-US" dirty="0"/>
           </a:p>
@@ -9697,7 +9807,7 @@
           <a:lstStyle/>
           <a:p>
             <a:r>
-              <a:rPr lang="bg-BG" smtClean="0"/>
+              <a:rPr lang="bg-BG"/>
               <a:t>Редакт. стил загл. образец</a:t>
             </a:r>
             <a:endParaRPr lang="en-US" dirty="0"/>
@@ -9721,7 +9831,7 @@
           <a:p>
             <a:fld id="{4509A250-FF31-4206-8172-F9D3106AACB1}" type="datetimeFigureOut">
               <a:rPr lang="en-US" smtClean="0"/>
-              <a:t>1/13/2024</a:t>
+              <a:t>1/15/2024</a:t>
             </a:fld>
             <a:endParaRPr lang="en-US" dirty="0"/>
           </a:p>
@@ -9899,7 +10009,7 @@
           <a:p>
             <a:fld id="{4509A250-FF31-4206-8172-F9D3106AACB1}" type="datetimeFigureOut">
               <a:rPr lang="en-US" smtClean="0"/>
-              <a:t>1/13/2024</a:t>
+              <a:t>1/15/2024</a:t>
             </a:fld>
             <a:endParaRPr lang="en-US" dirty="0"/>
           </a:p>
@@ -10085,7 +10195,7 @@
           </a:lstStyle>
           <a:p>
             <a:r>
-              <a:rPr lang="bg-BG" smtClean="0"/>
+              <a:rPr lang="bg-BG"/>
               <a:t>Редакт. стил загл. образец</a:t>
             </a:r>
             <a:endParaRPr lang="en-US" dirty="0"/>
@@ -10116,35 +10226,35 @@
           <a:p>
             <a:pPr lvl="0"/>
             <a:r>
-              <a:rPr lang="bg-BG" smtClean="0"/>
+              <a:rPr lang="bg-BG"/>
               <a:t>Редактиране на стиловете на текста в образеца</a:t>
             </a:r>
           </a:p>
           <a:p>
             <a:pPr lvl="1"/>
             <a:r>
-              <a:rPr lang="bg-BG" smtClean="0"/>
+              <a:rPr lang="bg-BG"/>
               <a:t>Второ ниво</a:t>
             </a:r>
           </a:p>
           <a:p>
             <a:pPr lvl="2"/>
             <a:r>
-              <a:rPr lang="bg-BG" smtClean="0"/>
+              <a:rPr lang="bg-BG"/>
               <a:t>Трето ниво</a:t>
             </a:r>
           </a:p>
           <a:p>
             <a:pPr lvl="3"/>
             <a:r>
-              <a:rPr lang="bg-BG" smtClean="0"/>
+              <a:rPr lang="bg-BG"/>
               <a:t>Четвърто ниво</a:t>
             </a:r>
           </a:p>
           <a:p>
             <a:pPr lvl="4"/>
             <a:r>
-              <a:rPr lang="bg-BG" smtClean="0"/>
+              <a:rPr lang="bg-BG"/>
               <a:t>Пето ниво</a:t>
             </a:r>
             <a:endParaRPr lang="en-US" dirty="0"/>
@@ -10210,7 +10320,7 @@
           <a:p>
             <a:pPr lvl="0"/>
             <a:r>
-              <a:rPr lang="bg-BG" smtClean="0"/>
+              <a:rPr lang="bg-BG"/>
               <a:t>Редактиране на стиловете на текста в образеца</a:t>
             </a:r>
           </a:p>
@@ -10233,7 +10343,7 @@
           <a:p>
             <a:fld id="{4509A250-FF31-4206-8172-F9D3106AACB1}" type="datetimeFigureOut">
               <a:rPr lang="en-US" smtClean="0"/>
-              <a:t>1/13/2024</a:t>
+              <a:t>1/15/2024</a:t>
             </a:fld>
             <a:endParaRPr lang="en-US" dirty="0"/>
           </a:p>
@@ -10421,7 +10531,7 @@
           </a:lstStyle>
           <a:p>
             <a:r>
-              <a:rPr lang="bg-BG" smtClean="0"/>
+              <a:rPr lang="bg-BG"/>
               <a:t>Редакт. стил загл. образец</a:t>
             </a:r>
             <a:endParaRPr lang="en-US" dirty="0"/>
@@ -10488,7 +10598,7 @@
           </a:lstStyle>
           <a:p>
             <a:r>
-              <a:rPr lang="bg-BG" smtClean="0"/>
+              <a:rPr lang="bg-BG"/>
               <a:t>Щракнете върху иконата, за да добавите картина</a:t>
             </a:r>
             <a:endParaRPr lang="en-US" dirty="0"/>
@@ -10556,7 +10666,7 @@
           <a:p>
             <a:pPr lvl="0"/>
             <a:r>
-              <a:rPr lang="bg-BG" smtClean="0"/>
+              <a:rPr lang="bg-BG"/>
               <a:t>Редактиране на стиловете на текста в образеца</a:t>
             </a:r>
           </a:p>
@@ -10579,7 +10689,7 @@
           <a:p>
             <a:fld id="{4509A250-FF31-4206-8172-F9D3106AACB1}" type="datetimeFigureOut">
               <a:rPr lang="en-US" smtClean="0"/>
-              <a:t>1/13/2024</a:t>
+              <a:t>1/15/2024</a:t>
             </a:fld>
             <a:endParaRPr lang="en-US" dirty="0"/>
           </a:p>
@@ -12593,7 +12703,7 @@
           <a:lstStyle/>
           <a:p>
             <a:r>
-              <a:rPr lang="bg-BG" smtClean="0"/>
+              <a:rPr lang="bg-BG"/>
               <a:t>Редакт. стил загл. образец</a:t>
             </a:r>
             <a:endParaRPr lang="en-US" dirty="0"/>
@@ -12627,35 +12737,35 @@
           <a:p>
             <a:pPr lvl="0"/>
             <a:r>
-              <a:rPr lang="bg-BG" smtClean="0"/>
+              <a:rPr lang="bg-BG"/>
               <a:t>Редактиране на стиловете на текста в образеца</a:t>
             </a:r>
           </a:p>
           <a:p>
             <a:pPr lvl="1"/>
             <a:r>
-              <a:rPr lang="bg-BG" smtClean="0"/>
+              <a:rPr lang="bg-BG"/>
               <a:t>Второ ниво</a:t>
             </a:r>
           </a:p>
           <a:p>
             <a:pPr lvl="2"/>
             <a:r>
-              <a:rPr lang="bg-BG" smtClean="0"/>
+              <a:rPr lang="bg-BG"/>
               <a:t>Трето ниво</a:t>
             </a:r>
           </a:p>
           <a:p>
             <a:pPr lvl="3"/>
             <a:r>
-              <a:rPr lang="bg-BG" smtClean="0"/>
+              <a:rPr lang="bg-BG"/>
               <a:t>Четвърто ниво</a:t>
             </a:r>
           </a:p>
           <a:p>
             <a:pPr lvl="4"/>
             <a:r>
-              <a:rPr lang="bg-BG" smtClean="0"/>
+              <a:rPr lang="bg-BG"/>
               <a:t>Пето ниво</a:t>
             </a:r>
             <a:endParaRPr lang="en-US" dirty="0"/>
@@ -12697,7 +12807,7 @@
           <a:p>
             <a:fld id="{4AAD347D-5ACD-4C99-B74B-A9C85AD731AF}" type="datetimeFigureOut">
               <a:rPr lang="en-US" smtClean="0"/>
-              <a:t>1/13/2024</a:t>
+              <a:t>1/15/2024</a:t>
             </a:fld>
             <a:endParaRPr lang="en-US" dirty="0"/>
           </a:p>
@@ -13234,20 +13344,167 @@
           <a:chExt cx="0" cy="0"/>
         </a:xfrm>
       </p:grpSpPr>
-      <p:sp>
-        <p:nvSpPr>
-          <p:cNvPr id="1320" name="Google Shape;1320;p54"/>
+      <p:pic>
+        <p:nvPicPr>
+          <p:cNvPr id="3" name="Picture 2">
+            <a:extLst>
+              <a:ext uri="{FF2B5EF4-FFF2-40B4-BE49-F238E27FC236}">
+                <a16:creationId xmlns:a16="http://schemas.microsoft.com/office/drawing/2014/main" id="{C56AAA17-0913-4588-8F06-42ACBE3E8BCD}"/>
+              </a:ext>
+            </a:extLst>
+          </p:cNvPr>
+          <p:cNvPicPr>
+            <a:picLocks noChangeAspect="1"/>
+          </p:cNvPicPr>
+          <p:nvPr/>
+        </p:nvPicPr>
+        <p:blipFill>
+          <a:blip r:embed="rId4"/>
+          <a:stretch>
+            <a:fillRect/>
+          </a:stretch>
+        </p:blipFill>
+        <p:spPr>
+          <a:xfrm>
+            <a:off x="2982383" y="621241"/>
+            <a:ext cx="3901017" cy="3901017"/>
+          </a:xfrm>
+          <a:prstGeom prst="rect">
+            <a:avLst/>
+          </a:prstGeom>
+        </p:spPr>
+      </p:pic>
+    </p:spTree>
+    <p:extLst>
+      <p:ext uri="{BB962C8B-B14F-4D97-AF65-F5344CB8AC3E}">
+        <p14:creationId xmlns:p14="http://schemas.microsoft.com/office/powerpoint/2010/main" val="348416004"/>
+      </p:ext>
+    </p:extLst>
+  </p:cSld>
+  <p:clrMapOvr>
+    <a:masterClrMapping/>
+  </p:clrMapOvr>
+  <p:transition spd="slow">
+    <p:wipe/>
+  </p:transition>
+</p:sld>
+</file>
+
+<file path=ppt/slides/slide10.xml><?xml version="1.0" encoding="utf-8"?>
+<p:sld xmlns:a="http://schemas.openxmlformats.org/drawingml/2006/main" xmlns:r="http://schemas.openxmlformats.org/officeDocument/2006/relationships" xmlns:p="http://schemas.openxmlformats.org/presentationml/2006/main">
+  <p:cSld>
+    <p:bg>
+      <p:bgPr>
+        <a:blipFill dpi="0" rotWithShape="1">
+          <a:blip r:embed="rId3">
+            <a:lum/>
+          </a:blip>
+          <a:srcRect/>
+          <a:stretch>
+            <a:fillRect/>
+          </a:stretch>
+        </a:blipFill>
+        <a:effectLst/>
+      </p:bgPr>
+    </p:bg>
+    <p:spTree>
+      <p:nvGrpSpPr>
+        <p:cNvPr id="1" name="Shape 1387"/>
+        <p:cNvGrpSpPr/>
+        <p:nvPr/>
+      </p:nvGrpSpPr>
+      <p:grpSpPr>
+        <a:xfrm>
+          <a:off x="0" y="0"/>
+          <a:ext cx="0" cy="0"/>
+          <a:chOff x="0" y="0"/>
+          <a:chExt cx="0" cy="0"/>
+        </a:xfrm>
+      </p:grpSpPr>
+      <p:sp>
+        <p:nvSpPr>
+          <p:cNvPr id="1388" name="Google Shape;1388;p62"/>
           <p:cNvSpPr txBox="1">
             <a:spLocks noGrp="1"/>
           </p:cNvSpPr>
           <p:nvPr>
-            <p:ph type="ctrTitle"/>
+            <p:ph type="title"/>
           </p:nvPr>
         </p:nvSpPr>
         <p:spPr>
           <a:xfrm>
-            <a:off x="1283100" y="1509760"/>
-            <a:ext cx="6577800" cy="1277483"/>
+            <a:off x="1610898" y="2072887"/>
+            <a:ext cx="5922204" cy="2068531"/>
+          </a:xfrm>
+          <a:prstGeom prst="rect">
+            <a:avLst/>
+          </a:prstGeom>
+        </p:spPr>
+        <p:txBody>
+          <a:bodyPr spcFirstLastPara="1" wrap="square" lIns="91425" tIns="91425" rIns="91425" bIns="91425" anchor="ctr" anchorCtr="0">
+            <a:noAutofit/>
+          </a:bodyPr>
+          <a:lstStyle/>
+          <a:p>
+            <a:pPr marL="0" lvl="0" indent="0" rtl="0">
+              <a:spcBef>
+                <a:spcPts val="0"/>
+              </a:spcBef>
+              <a:spcAft>
+                <a:spcPts val="0"/>
+              </a:spcAft>
+              <a:buNone/>
+            </a:pPr>
+            <a:r>
+              <a:rPr lang="en-US" sz="6600" dirty="0">
+                <a:solidFill>
+                  <a:schemeClr val="tx1"/>
+                </a:solidFill>
+                <a:effectLst>
+                  <a:outerShdw blurRad="50800" dist="38100" dir="5400000" algn="t" rotWithShape="0">
+                    <a:prstClr val="black">
+                      <a:alpha val="40000"/>
+                    </a:prstClr>
+                  </a:outerShdw>
+                  <a:reflection blurRad="6350" stA="60000" endA="900" endPos="58000" dir="5400000" sy="-100000" algn="bl" rotWithShape="0"/>
+                </a:effectLst>
+                <a:latin typeface="Cascadia Mono SemiBold" panose="020B0609020000020004" pitchFamily="49" charset="0"/>
+                <a:cs typeface="Cascadia Mono SemiBold" panose="020B0609020000020004" pitchFamily="49" charset="0"/>
+              </a:rPr>
+              <a:t>Used languages</a:t>
+            </a:r>
+            <a:endParaRPr sz="6600" dirty="0">
+              <a:solidFill>
+                <a:schemeClr val="tx1"/>
+              </a:solidFill>
+              <a:effectLst>
+                <a:outerShdw blurRad="50800" dist="38100" dir="5400000" algn="t" rotWithShape="0">
+                  <a:prstClr val="black">
+                    <a:alpha val="40000"/>
+                  </a:prstClr>
+                </a:outerShdw>
+                <a:reflection blurRad="6350" stA="60000" endA="900" endPos="58000" dir="5400000" sy="-100000" algn="bl" rotWithShape="0"/>
+              </a:effectLst>
+              <a:latin typeface="Cascadia Mono SemiBold" panose="020B0609020000020004" pitchFamily="49" charset="0"/>
+              <a:cs typeface="Cascadia Mono SemiBold" panose="020B0609020000020004" pitchFamily="49" charset="0"/>
+            </a:endParaRPr>
+          </a:p>
+        </p:txBody>
+      </p:sp>
+      <p:sp>
+        <p:nvSpPr>
+          <p:cNvPr id="1389" name="Google Shape;1389;p62"/>
+          <p:cNvSpPr txBox="1">
+            <a:spLocks noGrp="1"/>
+          </p:cNvSpPr>
+          <p:nvPr>
+            <p:ph type="title" idx="2"/>
+          </p:nvPr>
+        </p:nvSpPr>
+        <p:spPr>
+          <a:xfrm>
+            <a:off x="2019300" y="859087"/>
+            <a:ext cx="5105400" cy="1213800"/>
           </a:xfrm>
           <a:prstGeom prst="rect">
             <a:avLst/>
@@ -13269,84 +13526,7 @@
               <a:buNone/>
             </a:pPr>
             <a:r>
-              <a:rPr lang="en-US" sz="7200" b="1" dirty="0" smtClean="0">
-                <a:solidFill>
-                  <a:srgbClr val="000000"/>
-                </a:solidFill>
-                <a:effectLst>
-                  <a:outerShdw blurRad="50800" dist="38100" dir="5400000" algn="t" rotWithShape="0">
-                    <a:prstClr val="black">
-                      <a:alpha val="40000"/>
-                    </a:prstClr>
-                  </a:outerShdw>
-                  <a:reflection blurRad="6350" stA="50000" endA="300" endPos="50000" dist="29997" dir="5400000" sy="-100000" algn="bl" rotWithShape="0"/>
-                </a:effectLst>
-                <a:latin typeface="Cascadia Mono SemiBold" panose="020B0609020000020004" pitchFamily="49" charset="0"/>
-                <a:ea typeface="Nirmala UI Semilight" panose="020B0402040204020203" pitchFamily="34" charset="0"/>
-                <a:cs typeface="Cascadia Mono SemiBold" panose="020B0609020000020004" pitchFamily="49" charset="0"/>
-              </a:rPr>
-              <a:t>Patent Bank</a:t>
-            </a:r>
-            <a:endParaRPr sz="7200" b="1" dirty="0">
-              <a:solidFill>
-                <a:srgbClr val="000000"/>
-              </a:solidFill>
-              <a:effectLst>
-                <a:outerShdw blurRad="50800" dist="38100" dir="5400000" algn="t" rotWithShape="0">
-                  <a:prstClr val="black">
-                    <a:alpha val="40000"/>
-                  </a:prstClr>
-                </a:outerShdw>
-                <a:reflection blurRad="6350" stA="50000" endA="300" endPos="50000" dist="29997" dir="5400000" sy="-100000" algn="bl" rotWithShape="0"/>
-              </a:effectLst>
-              <a:latin typeface="Cascadia Mono SemiBold" panose="020B0609020000020004" pitchFamily="49" charset="0"/>
-              <a:ea typeface="Nirmala UI Semilight" panose="020B0402040204020203" pitchFamily="34" charset="0"/>
-              <a:cs typeface="Cascadia Mono SemiBold" panose="020B0609020000020004" pitchFamily="49" charset="0"/>
-            </a:endParaRPr>
-          </a:p>
-        </p:txBody>
-      </p:sp>
-      <p:sp>
-        <p:nvSpPr>
-          <p:cNvPr id="1321" name="Google Shape;1321;p54"/>
-          <p:cNvSpPr txBox="1">
-            <a:spLocks noGrp="1"/>
-          </p:cNvSpPr>
-          <p:nvPr>
-            <p:ph type="subTitle" idx="1"/>
-          </p:nvPr>
-        </p:nvSpPr>
-        <p:spPr>
-          <a:xfrm>
-            <a:off x="1283100" y="3427078"/>
-            <a:ext cx="6577800" cy="615188"/>
-          </a:xfrm>
-          <a:prstGeom prst="rect">
-            <a:avLst/>
-          </a:prstGeom>
-        </p:spPr>
-        <p:txBody>
-          <a:bodyPr spcFirstLastPara="1" wrap="square" lIns="91425" tIns="91425" rIns="91425" bIns="91425" anchor="t" anchorCtr="0">
-            <a:noAutofit/>
-          </a:bodyPr>
-          <a:lstStyle/>
-          <a:p>
-            <a:pPr marL="0" lvl="0" indent="0" algn="ctr" rtl="0">
-              <a:spcBef>
-                <a:spcPts val="0"/>
-              </a:spcBef>
-              <a:spcAft>
-                <a:spcPts val="0"/>
-              </a:spcAft>
-              <a:buClr>
-                <a:schemeClr val="dk1"/>
-              </a:buClr>
-              <a:buSzPts val="1100"/>
-              <a:buFont typeface="Arial"/>
-              <a:buNone/>
-            </a:pPr>
-            <a:r>
-              <a:rPr lang="en-US" sz="3200" dirty="0" smtClean="0">
+              <a:rPr lang="en" dirty="0">
                 <a:solidFill>
                   <a:schemeClr val="tx1"/>
                 </a:solidFill>
@@ -13360,9 +13540,9 @@
                 <a:latin typeface="Cascadia Mono SemiBold" panose="020B0609020000020004" pitchFamily="49" charset="0"/>
                 <a:cs typeface="Cascadia Mono SemiBold" panose="020B0609020000020004" pitchFamily="49" charset="0"/>
               </a:rPr>
-              <a:t>Our Digital Will is…</a:t>
+              <a:t>04</a:t>
             </a:r>
-            <a:endParaRPr sz="3200" dirty="0">
+            <a:endParaRPr dirty="0">
               <a:solidFill>
                 <a:schemeClr val="tx1"/>
               </a:solidFill>
@@ -13379,7 +13559,66 @@
           </a:p>
         </p:txBody>
       </p:sp>
+      <p:sp>
+        <p:nvSpPr>
+          <p:cNvPr id="2" name="Rectangle 1">
+            <a:extLst>
+              <a:ext uri="{FF2B5EF4-FFF2-40B4-BE49-F238E27FC236}">
+                <a16:creationId xmlns:a16="http://schemas.microsoft.com/office/drawing/2014/main" id="{4282B027-0E47-EA38-2467-B74A01E5FFD7}"/>
+              </a:ext>
+            </a:extLst>
+          </p:cNvPr>
+          <p:cNvSpPr/>
+          <p:nvPr/>
+        </p:nvSpPr>
+        <p:spPr>
+          <a:xfrm>
+            <a:off x="0" y="-231112"/>
+            <a:ext cx="2341266" cy="2532185"/>
+          </a:xfrm>
+          <a:prstGeom prst="rect">
+            <a:avLst/>
+          </a:prstGeom>
+          <a:solidFill>
+            <a:srgbClr val="FFFFFF"/>
+          </a:solidFill>
+          <a:ln>
+            <a:solidFill>
+              <a:srgbClr val="FFFFFF"/>
+            </a:solidFill>
+          </a:ln>
+        </p:spPr>
+        <p:style>
+          <a:lnRef idx="2">
+            <a:schemeClr val="accent1">
+              <a:shade val="15000"/>
+            </a:schemeClr>
+          </a:lnRef>
+          <a:fillRef idx="1">
+            <a:schemeClr val="accent1"/>
+          </a:fillRef>
+          <a:effectRef idx="0">
+            <a:schemeClr val="accent1"/>
+          </a:effectRef>
+          <a:fontRef idx="minor">
+            <a:schemeClr val="lt1"/>
+          </a:fontRef>
+        </p:style>
+        <p:txBody>
+          <a:bodyPr rtlCol="0" anchor="ctr"/>
+          <a:lstStyle/>
+          <a:p>
+            <a:pPr algn="ctr"/>
+            <a:endParaRPr lang="en-US"/>
+          </a:p>
+        </p:txBody>
+      </p:sp>
     </p:spTree>
+    <p:extLst>
+      <p:ext uri="{BB962C8B-B14F-4D97-AF65-F5344CB8AC3E}">
+        <p14:creationId xmlns:p14="http://schemas.microsoft.com/office/powerpoint/2010/main" val="3370439712"/>
+      </p:ext>
+    </p:extLst>
   </p:cSld>
   <p:clrMapOvr>
     <a:masterClrMapping/>
@@ -13390,7 +13629,7 @@
 </p:sld>
 </file>
 
-<file path=ppt/slides/slide10.xml><?xml version="1.0" encoding="utf-8"?>
+<file path=ppt/slides/slide11.xml><?xml version="1.0" encoding="utf-8"?>
 <p:sld xmlns:a="http://schemas.openxmlformats.org/drawingml/2006/main" xmlns:r="http://schemas.openxmlformats.org/officeDocument/2006/relationships" xmlns:p="http://schemas.openxmlformats.org/presentationml/2006/main">
   <p:cSld>
     <p:bg>
@@ -13723,7 +13962,7 @@
 </p:sld>
 </file>
 
-<file path=ppt/slides/slide11.xml><?xml version="1.0" encoding="utf-8"?>
+<file path=ppt/slides/slide12.xml><?xml version="1.0" encoding="utf-8"?>
 <p:sld xmlns:a="http://schemas.openxmlformats.org/drawingml/2006/main" xmlns:r="http://schemas.openxmlformats.org/officeDocument/2006/relationships" xmlns:p="http://schemas.openxmlformats.org/presentationml/2006/main">
   <p:cSld>
     <p:bg>
@@ -13773,7 +14012,7 @@
         <p:spPr>
           <a:xfrm>
             <a:off x="876822" y="208245"/>
-            <a:ext cx="7277622" cy="4955610"/>
+            <a:ext cx="7174978" cy="4152088"/>
           </a:xfrm>
           <a:prstGeom prst="rect">
             <a:avLst/>
@@ -13810,7 +14049,7 @@
                 <a:latin typeface="Cascadia Mono SemiBold" panose="020B0609020000020004" pitchFamily="49" charset="0"/>
                 <a:cs typeface="Cascadia Mono SemiBold" panose="020B0609020000020004" pitchFamily="49" charset="0"/>
               </a:rPr>
-              <a:t>Let’s jump into the game! </a:t>
+              <a:t>Let’s jump into the app! </a:t>
             </a:r>
           </a:p>
         </p:txBody>
@@ -13832,6 +14071,193 @@
 </file>
 
 <file path=ppt/slides/slide2.xml><?xml version="1.0" encoding="utf-8"?>
+<p:sld xmlns:a="http://schemas.openxmlformats.org/drawingml/2006/main" xmlns:r="http://schemas.openxmlformats.org/officeDocument/2006/relationships" xmlns:p="http://schemas.openxmlformats.org/presentationml/2006/main">
+  <p:cSld>
+    <p:bg>
+      <p:bgPr>
+        <a:blipFill dpi="0" rotWithShape="1">
+          <a:blip r:embed="rId3">
+            <a:lum/>
+          </a:blip>
+          <a:srcRect/>
+          <a:stretch>
+            <a:fillRect/>
+          </a:stretch>
+        </a:blipFill>
+        <a:effectLst/>
+      </p:bgPr>
+    </p:bg>
+    <p:spTree>
+      <p:nvGrpSpPr>
+        <p:cNvPr id="1" name="Shape 1319"/>
+        <p:cNvGrpSpPr/>
+        <p:nvPr/>
+      </p:nvGrpSpPr>
+      <p:grpSpPr>
+        <a:xfrm>
+          <a:off x="0" y="0"/>
+          <a:ext cx="0" cy="0"/>
+          <a:chOff x="0" y="0"/>
+          <a:chExt cx="0" cy="0"/>
+        </a:xfrm>
+      </p:grpSpPr>
+      <p:sp>
+        <p:nvSpPr>
+          <p:cNvPr id="1320" name="Google Shape;1320;p54"/>
+          <p:cNvSpPr txBox="1">
+            <a:spLocks noGrp="1"/>
+          </p:cNvSpPr>
+          <p:nvPr>
+            <p:ph type="ctrTitle"/>
+          </p:nvPr>
+        </p:nvSpPr>
+        <p:spPr>
+          <a:xfrm>
+            <a:off x="1283100" y="1509760"/>
+            <a:ext cx="6577800" cy="1277483"/>
+          </a:xfrm>
+          <a:prstGeom prst="rect">
+            <a:avLst/>
+          </a:prstGeom>
+        </p:spPr>
+        <p:txBody>
+          <a:bodyPr spcFirstLastPara="1" wrap="square" lIns="91425" tIns="91425" rIns="91425" bIns="91425" anchor="b" anchorCtr="0">
+            <a:noAutofit/>
+          </a:bodyPr>
+          <a:lstStyle/>
+          <a:p>
+            <a:pPr marL="0" lvl="0" indent="0" algn="ctr" rtl="0">
+              <a:spcBef>
+                <a:spcPts val="0"/>
+              </a:spcBef>
+              <a:spcAft>
+                <a:spcPts val="0"/>
+              </a:spcAft>
+              <a:buNone/>
+            </a:pPr>
+            <a:r>
+              <a:rPr lang="en-US" sz="7200" b="1" dirty="0">
+                <a:solidFill>
+                  <a:srgbClr val="000000"/>
+                </a:solidFill>
+                <a:effectLst>
+                  <a:outerShdw blurRad="50800" dist="38100" dir="5400000" algn="t" rotWithShape="0">
+                    <a:prstClr val="black">
+                      <a:alpha val="40000"/>
+                    </a:prstClr>
+                  </a:outerShdw>
+                  <a:reflection blurRad="6350" stA="50000" endA="300" endPos="50000" dist="29997" dir="5400000" sy="-100000" algn="bl" rotWithShape="0"/>
+                </a:effectLst>
+                <a:latin typeface="Cascadia Mono SemiBold" panose="020B0609020000020004" pitchFamily="49" charset="0"/>
+                <a:ea typeface="Nirmala UI Semilight" panose="020B0402040204020203" pitchFamily="34" charset="0"/>
+                <a:cs typeface="Cascadia Mono SemiBold" panose="020B0609020000020004" pitchFamily="49" charset="0"/>
+              </a:rPr>
+              <a:t>Patent Bank</a:t>
+            </a:r>
+            <a:endParaRPr sz="7200" b="1" dirty="0">
+              <a:solidFill>
+                <a:srgbClr val="000000"/>
+              </a:solidFill>
+              <a:effectLst>
+                <a:outerShdw blurRad="50800" dist="38100" dir="5400000" algn="t" rotWithShape="0">
+                  <a:prstClr val="black">
+                    <a:alpha val="40000"/>
+                  </a:prstClr>
+                </a:outerShdw>
+                <a:reflection blurRad="6350" stA="50000" endA="300" endPos="50000" dist="29997" dir="5400000" sy="-100000" algn="bl" rotWithShape="0"/>
+              </a:effectLst>
+              <a:latin typeface="Cascadia Mono SemiBold" panose="020B0609020000020004" pitchFamily="49" charset="0"/>
+              <a:ea typeface="Nirmala UI Semilight" panose="020B0402040204020203" pitchFamily="34" charset="0"/>
+              <a:cs typeface="Cascadia Mono SemiBold" panose="020B0609020000020004" pitchFamily="49" charset="0"/>
+            </a:endParaRPr>
+          </a:p>
+        </p:txBody>
+      </p:sp>
+      <p:sp>
+        <p:nvSpPr>
+          <p:cNvPr id="1321" name="Google Shape;1321;p54"/>
+          <p:cNvSpPr txBox="1">
+            <a:spLocks noGrp="1"/>
+          </p:cNvSpPr>
+          <p:nvPr>
+            <p:ph type="subTitle" idx="1"/>
+          </p:nvPr>
+        </p:nvSpPr>
+        <p:spPr>
+          <a:xfrm>
+            <a:off x="1283100" y="3427078"/>
+            <a:ext cx="6577800" cy="615188"/>
+          </a:xfrm>
+          <a:prstGeom prst="rect">
+            <a:avLst/>
+          </a:prstGeom>
+        </p:spPr>
+        <p:txBody>
+          <a:bodyPr spcFirstLastPara="1" wrap="square" lIns="91425" tIns="91425" rIns="91425" bIns="91425" anchor="t" anchorCtr="0">
+            <a:noAutofit/>
+          </a:bodyPr>
+          <a:lstStyle/>
+          <a:p>
+            <a:pPr marL="0" lvl="0" indent="0" algn="ctr" rtl="0">
+              <a:spcBef>
+                <a:spcPts val="0"/>
+              </a:spcBef>
+              <a:spcAft>
+                <a:spcPts val="0"/>
+              </a:spcAft>
+              <a:buClr>
+                <a:schemeClr val="dk1"/>
+              </a:buClr>
+              <a:buSzPts val="1100"/>
+              <a:buFont typeface="Arial"/>
+              <a:buNone/>
+            </a:pPr>
+            <a:r>
+              <a:rPr lang="en-US" sz="3200" dirty="0">
+                <a:solidFill>
+                  <a:schemeClr val="tx1"/>
+                </a:solidFill>
+                <a:effectLst>
+                  <a:outerShdw blurRad="50800" dist="38100" dir="2700000" algn="tl" rotWithShape="0">
+                    <a:prstClr val="black">
+                      <a:alpha val="40000"/>
+                    </a:prstClr>
+                  </a:outerShdw>
+                </a:effectLst>
+                <a:latin typeface="Cascadia Mono SemiBold" panose="020B0609020000020004" pitchFamily="49" charset="0"/>
+                <a:cs typeface="Cascadia Mono SemiBold" panose="020B0609020000020004" pitchFamily="49" charset="0"/>
+              </a:rPr>
+              <a:t>Our Digital Will is…</a:t>
+            </a:r>
+            <a:endParaRPr sz="3200" dirty="0">
+              <a:solidFill>
+                <a:schemeClr val="tx1"/>
+              </a:solidFill>
+              <a:effectLst>
+                <a:outerShdw blurRad="50800" dist="38100" dir="2700000" algn="tl" rotWithShape="0">
+                  <a:prstClr val="black">
+                    <a:alpha val="40000"/>
+                  </a:prstClr>
+                </a:outerShdw>
+              </a:effectLst>
+              <a:latin typeface="Cascadia Mono SemiBold" panose="020B0609020000020004" pitchFamily="49" charset="0"/>
+              <a:cs typeface="Cascadia Mono SemiBold" panose="020B0609020000020004" pitchFamily="49" charset="0"/>
+            </a:endParaRPr>
+          </a:p>
+        </p:txBody>
+      </p:sp>
+    </p:spTree>
+  </p:cSld>
+  <p:clrMapOvr>
+    <a:masterClrMapping/>
+  </p:clrMapOvr>
+  <p:transition spd="slow">
+    <p:wipe/>
+  </p:transition>
+</p:sld>
+</file>
+
+<file path=ppt/slides/slide3.xml><?xml version="1.0" encoding="utf-8"?>
 <p:sld xmlns:a="http://schemas.openxmlformats.org/drawingml/2006/main" xmlns:r="http://schemas.openxmlformats.org/officeDocument/2006/relationships" xmlns:p="http://schemas.openxmlformats.org/presentationml/2006/main">
   <p:cSld>
     <p:bg>
@@ -15140,7 +15566,7 @@
 </p:sld>
 </file>
 
-<file path=ppt/slides/slide3.xml><?xml version="1.0" encoding="utf-8"?>
+<file path=ppt/slides/slide4.xml><?xml version="1.0" encoding="utf-8"?>
 <p:sld xmlns:a="http://schemas.openxmlformats.org/drawingml/2006/main" xmlns:r="http://schemas.openxmlformats.org/officeDocument/2006/relationships" xmlns:p="http://schemas.openxmlformats.org/presentationml/2006/main">
   <p:cSld>
     <p:bg>
@@ -15370,7 +15796,7 @@
 </p:sld>
 </file>
 
-<file path=ppt/slides/slide4.xml><?xml version="1.0" encoding="utf-8"?>
+<file path=ppt/slides/slide5.xml><?xml version="1.0" encoding="utf-8"?>
 <p:sld xmlns:a="http://schemas.openxmlformats.org/drawingml/2006/main" xmlns:r="http://schemas.openxmlformats.org/officeDocument/2006/relationships" xmlns:p="http://schemas.openxmlformats.org/presentationml/2006/main">
   <p:cSld>
     <p:bg>
@@ -15713,7 +16139,7 @@
             <a:noFill/>
             <a:extLst>
               <a:ext uri="{C807C97D-BFC1-408E-A445-0C87EB9F89A2}">
-                <ask:lineSketchStyleProps xmlns="" xmlns:ask="http://schemas.microsoft.com/office/drawing/2018/sketchyshapes" sd="2898562130">
+                <ask:lineSketchStyleProps xmlns:ask="http://schemas.microsoft.com/office/drawing/2018/sketchyshapes" xmlns="" sd="2898562130">
                   <a:prstGeom prst="rect">
                     <a:avLst/>
                   </a:prstGeom>
@@ -15926,7 +16352,7 @@
             <a:noFill/>
             <a:extLst>
               <a:ext uri="{C807C97D-BFC1-408E-A445-0C87EB9F89A2}">
-                <ask:lineSketchStyleProps xmlns="" xmlns:ask="http://schemas.microsoft.com/office/drawing/2018/sketchyshapes" sd="2898562130">
+                <ask:lineSketchStyleProps xmlns:ask="http://schemas.microsoft.com/office/drawing/2018/sketchyshapes" xmlns="" sd="2898562130">
                   <a:prstGeom prst="rect">
                     <a:avLst/>
                   </a:prstGeom>
@@ -15945,7 +16371,7 @@
           <a:lstStyle/>
           <a:p>
             <a:r>
-              <a:rPr lang="en-US" sz="2000" b="1" i="1" dirty="0">
+              <a:rPr lang="en-US" sz="2000" b="1" dirty="0">
                 <a:solidFill>
                   <a:schemeClr val="tx1"/>
                 </a:solidFill>
@@ -15962,7 +16388,7 @@
               <a:t>Jasmina </a:t>
             </a:r>
             <a:r>
-              <a:rPr lang="en-US" sz="2000" b="1" i="1" dirty="0" err="1">
+              <a:rPr lang="en-US" sz="2000" b="1" dirty="0" err="1">
                 <a:solidFill>
                   <a:schemeClr val="tx1"/>
                 </a:solidFill>
@@ -15978,7 +16404,7 @@
               </a:rPr>
               <a:t>Vulkova</a:t>
             </a:r>
-            <a:endParaRPr lang="en-US" sz="2000" b="1" i="1" dirty="0">
+            <a:endParaRPr lang="en-US" sz="2000" b="1" dirty="0">
               <a:solidFill>
                 <a:schemeClr val="tx1"/>
               </a:solidFill>
@@ -16025,7 +16451,7 @@
           <a:p>
             <a:pPr algn="ctr"/>
             <a:r>
-              <a:rPr lang="en-US" sz="1800" dirty="0" smtClean="0">
+              <a:rPr lang="en-US" sz="1800" dirty="0">
                 <a:solidFill>
                   <a:schemeClr val="tx1"/>
                 </a:solidFill>
@@ -16034,13 +16460,6 @@
               </a:rPr>
               <a:t>QA and documentation</a:t>
             </a:r>
-            <a:endParaRPr lang="en-US" sz="1800" dirty="0">
-              <a:solidFill>
-                <a:schemeClr val="tx1"/>
-              </a:solidFill>
-              <a:latin typeface="Cascadia Mono SemiBold" panose="020B0609020000020004" pitchFamily="49" charset="0"/>
-              <a:cs typeface="Cascadia Mono SemiBold" panose="020B0609020000020004" pitchFamily="49" charset="0"/>
-            </a:endParaRPr>
           </a:p>
         </p:txBody>
       </p:sp>
@@ -16188,7 +16607,7 @@
             <a:noFill/>
             <a:extLst>
               <a:ext uri="{C807C97D-BFC1-408E-A445-0C87EB9F89A2}">
-                <ask:lineSketchStyleProps xmlns="" xmlns:ask="http://schemas.microsoft.com/office/drawing/2018/sketchyshapes" sd="2898562130">
+                <ask:lineSketchStyleProps xmlns:ask="http://schemas.microsoft.com/office/drawing/2018/sketchyshapes" xmlns="" sd="2898562130">
                   <a:prstGeom prst="rect">
                     <a:avLst/>
                   </a:prstGeom>
@@ -16385,7 +16804,7 @@
           <a:p>
             <a:pPr algn="ctr"/>
             <a:r>
-              <a:rPr lang="en-US" sz="1800" dirty="0" smtClean="0">
+              <a:rPr lang="en-US" sz="1800" dirty="0">
                 <a:solidFill>
                   <a:schemeClr val="tx1"/>
                 </a:solidFill>
@@ -16394,13 +16813,6 @@
               </a:rPr>
               <a:t>Frontend developer</a:t>
             </a:r>
-            <a:endParaRPr lang="en-US" sz="1800" dirty="0">
-              <a:solidFill>
-                <a:schemeClr val="tx1"/>
-              </a:solidFill>
-              <a:latin typeface="Cascadia Mono SemiBold" panose="020B0609020000020004" pitchFamily="49" charset="0"/>
-              <a:cs typeface="Cascadia Mono SemiBold" panose="020B0609020000020004" pitchFamily="49" charset="0"/>
-            </a:endParaRPr>
           </a:p>
         </p:txBody>
       </p:sp>
@@ -16548,7 +16960,7 @@
             <a:noFill/>
             <a:extLst>
               <a:ext uri="{C807C97D-BFC1-408E-A445-0C87EB9F89A2}">
-                <ask:lineSketchStyleProps xmlns="" xmlns:ask="http://schemas.microsoft.com/office/drawing/2018/sketchyshapes" sd="2898562130">
+                <ask:lineSketchStyleProps xmlns:ask="http://schemas.microsoft.com/office/drawing/2018/sketchyshapes" xmlns="" sd="2898562130">
                   <a:prstGeom prst="rect">
                     <a:avLst/>
                   </a:prstGeom>
@@ -16665,7 +17077,7 @@
           <a:p>
             <a:pPr algn="ctr"/>
             <a:r>
-              <a:rPr lang="en-US" sz="1800" dirty="0" smtClean="0">
+              <a:rPr lang="en-US" sz="1800" dirty="0">
                 <a:solidFill>
                   <a:schemeClr val="tx1"/>
                 </a:solidFill>
@@ -16674,13 +17086,6 @@
               </a:rPr>
               <a:t>Scrum trainer</a:t>
             </a:r>
-            <a:endParaRPr lang="en-US" sz="1800" dirty="0">
-              <a:solidFill>
-                <a:schemeClr val="tx1"/>
-              </a:solidFill>
-              <a:latin typeface="Cascadia Mono SemiBold" panose="020B0609020000020004" pitchFamily="49" charset="0"/>
-              <a:cs typeface="Cascadia Mono SemiBold" panose="020B0609020000020004" pitchFamily="49" charset="0"/>
-            </a:endParaRPr>
           </a:p>
         </p:txBody>
       </p:sp>
@@ -16695,7 +17100,7 @@
 </p:sld>
 </file>
 
-<file path=ppt/slides/slide5.xml><?xml version="1.0" encoding="utf-8"?>
+<file path=ppt/slides/slide6.xml><?xml version="1.0" encoding="utf-8"?>
 <p:sld xmlns:a="http://schemas.openxmlformats.org/drawingml/2006/main" xmlns:r="http://schemas.openxmlformats.org/officeDocument/2006/relationships" xmlns:p="http://schemas.openxmlformats.org/presentationml/2006/main">
   <p:cSld>
     <p:bg>
@@ -16930,7 +17335,7 @@
 </p:sld>
 </file>
 
-<file path=ppt/slides/slide6.xml><?xml version="1.0" encoding="utf-8"?>
+<file path=ppt/slides/slide7.xml><?xml version="1.0" encoding="utf-8"?>
 <p:sld xmlns:a="http://schemas.openxmlformats.org/drawingml/2006/main" xmlns:r="http://schemas.openxmlformats.org/officeDocument/2006/relationships" xmlns:p="http://schemas.openxmlformats.org/presentationml/2006/main">
   <p:cSld>
     <p:bg>
@@ -16989,18 +17394,11 @@
           <a:p>
             <a:pPr algn="just"/>
             <a:r>
-              <a:rPr lang="en-US" sz="2400" b="1" dirty="0" smtClean="0">
+              <a:rPr lang="en-US" sz="2400" b="1" dirty="0">
                 <a:latin typeface="OCR A Extended" panose="02010509020102010303" pitchFamily="50" charset="0"/>
                 <a:sym typeface="Hammersmith One"/>
               </a:rPr>
               <a:t>.</a:t>
-            </a:r>
-            <a:r>
-              <a:rPr lang="en-US" sz="3200" b="1" dirty="0">
-                <a:latin typeface="OCR A Extended" panose="02010509020102010303" pitchFamily="50" charset="0"/>
-                <a:sym typeface="Hammersmith One"/>
-              </a:rPr>
-              <a:t/>
             </a:r>
             <a:br>
               <a:rPr lang="en-US" sz="3200" b="1" dirty="0">
@@ -17085,7 +17483,7 @@
               <a:tabLst/>
             </a:pPr>
             <a:r>
-              <a:rPr kumimoji="0" lang="bg-BG" altLang="bg-BG" sz="3200" b="0" u="none" strike="noStrike" cap="none" normalizeH="0" baseline="0" dirty="0" err="1" smtClean="0">
+              <a:rPr kumimoji="0" lang="bg-BG" altLang="bg-BG" sz="3200" b="0" u="none" strike="noStrike" cap="none" normalizeH="0" baseline="0" dirty="0" err="1">
                 <a:ln>
                   <a:noFill/>
                 </a:ln>
@@ -17099,7 +17497,7 @@
               <a:t>Our</a:t>
             </a:r>
             <a:r>
-              <a:rPr kumimoji="0" lang="bg-BG" altLang="bg-BG" sz="3200" b="0" u="none" strike="noStrike" cap="none" normalizeH="0" baseline="0" dirty="0" smtClean="0">
+              <a:rPr kumimoji="0" lang="bg-BG" altLang="bg-BG" sz="3200" b="0" u="none" strike="noStrike" cap="none" normalizeH="0" baseline="0" dirty="0">
                 <a:ln>
                   <a:noFill/>
                 </a:ln>
@@ -17113,7 +17511,7 @@
               <a:t> </a:t>
             </a:r>
             <a:r>
-              <a:rPr kumimoji="0" lang="bg-BG" altLang="bg-BG" sz="3200" b="0" u="none" strike="noStrike" cap="none" normalizeH="0" baseline="0" dirty="0" err="1" smtClean="0">
+              <a:rPr kumimoji="0" lang="bg-BG" altLang="bg-BG" sz="3200" b="0" u="none" strike="noStrike" cap="none" normalizeH="0" baseline="0" dirty="0" err="1">
                 <a:ln>
                   <a:noFill/>
                 </a:ln>
@@ -17127,7 +17525,7 @@
               <a:t>project</a:t>
             </a:r>
             <a:r>
-              <a:rPr kumimoji="0" lang="bg-BG" altLang="bg-BG" sz="3200" b="0" u="none" strike="noStrike" cap="none" normalizeH="0" baseline="0" dirty="0" smtClean="0">
+              <a:rPr kumimoji="0" lang="bg-BG" altLang="bg-BG" sz="3200" b="0" u="none" strike="noStrike" cap="none" normalizeH="0" baseline="0" dirty="0">
                 <a:ln>
                   <a:noFill/>
                 </a:ln>
@@ -17141,7 +17539,7 @@
               <a:t> </a:t>
             </a:r>
             <a:r>
-              <a:rPr kumimoji="0" lang="bg-BG" altLang="bg-BG" sz="3200" b="0" u="none" strike="noStrike" cap="none" normalizeH="0" baseline="0" dirty="0" err="1" smtClean="0">
+              <a:rPr kumimoji="0" lang="bg-BG" altLang="bg-BG" sz="3200" b="0" u="none" strike="noStrike" cap="none" normalizeH="0" baseline="0" dirty="0" err="1">
                 <a:ln>
                   <a:noFill/>
                 </a:ln>
@@ -17155,7 +17553,7 @@
               <a:t>is</a:t>
             </a:r>
             <a:r>
-              <a:rPr kumimoji="0" lang="bg-BG" altLang="bg-BG" sz="3200" b="0" u="none" strike="noStrike" cap="none" normalizeH="0" baseline="0" dirty="0" smtClean="0">
+              <a:rPr kumimoji="0" lang="bg-BG" altLang="bg-BG" sz="3200" b="0" u="none" strike="noStrike" cap="none" normalizeH="0" baseline="0" dirty="0">
                 <a:ln>
                   <a:noFill/>
                 </a:ln>
@@ -17169,7 +17567,7 @@
               <a:t> </a:t>
             </a:r>
             <a:r>
-              <a:rPr kumimoji="0" lang="bg-BG" altLang="bg-BG" sz="3200" b="0" u="none" strike="noStrike" cap="none" normalizeH="0" baseline="0" dirty="0" err="1" smtClean="0">
+              <a:rPr kumimoji="0" lang="bg-BG" altLang="bg-BG" sz="3200" b="0" u="none" strike="noStrike" cap="none" normalizeH="0" baseline="0" dirty="0" err="1">
                 <a:ln>
                   <a:noFill/>
                 </a:ln>
@@ -17183,7 +17581,7 @@
               <a:t>an</a:t>
             </a:r>
             <a:r>
-              <a:rPr kumimoji="0" lang="bg-BG" altLang="bg-BG" sz="3200" b="0" u="none" strike="noStrike" cap="none" normalizeH="0" baseline="0" dirty="0" smtClean="0">
+              <a:rPr kumimoji="0" lang="bg-BG" altLang="bg-BG" sz="3200" b="0" u="none" strike="noStrike" cap="none" normalizeH="0" baseline="0" dirty="0">
                 <a:ln>
                   <a:noFill/>
                 </a:ln>
@@ -17197,7 +17595,7 @@
               <a:t> </a:t>
             </a:r>
             <a:r>
-              <a:rPr kumimoji="0" lang="bg-BG" altLang="bg-BG" sz="3200" b="0" u="none" strike="noStrike" cap="none" normalizeH="0" baseline="0" dirty="0" err="1" smtClean="0">
+              <a:rPr kumimoji="0" lang="bg-BG" altLang="bg-BG" sz="3200" b="0" u="none" strike="noStrike" cap="none" normalizeH="0" baseline="0" dirty="0" err="1">
                 <a:ln>
                   <a:noFill/>
                 </a:ln>
@@ -17211,7 +17609,7 @@
               <a:t>application</a:t>
             </a:r>
             <a:r>
-              <a:rPr kumimoji="0" lang="bg-BG" altLang="bg-BG" sz="3200" b="0" u="none" strike="noStrike" cap="none" normalizeH="0" baseline="0" dirty="0" smtClean="0">
+              <a:rPr kumimoji="0" lang="bg-BG" altLang="bg-BG" sz="3200" b="0" u="none" strike="noStrike" cap="none" normalizeH="0" baseline="0" dirty="0">
                 <a:ln>
                   <a:noFill/>
                 </a:ln>
@@ -17225,7 +17623,7 @@
               <a:t> </a:t>
             </a:r>
             <a:r>
-              <a:rPr kumimoji="0" lang="bg-BG" altLang="bg-BG" sz="3200" b="0" u="none" strike="noStrike" cap="none" normalizeH="0" baseline="0" dirty="0" err="1" smtClean="0">
+              <a:rPr kumimoji="0" lang="bg-BG" altLang="bg-BG" sz="3200" b="0" u="none" strike="noStrike" cap="none" normalizeH="0" baseline="0" dirty="0" err="1">
                 <a:ln>
                   <a:noFill/>
                 </a:ln>
@@ -17239,7 +17637,7 @@
               <a:t>that</a:t>
             </a:r>
             <a:r>
-              <a:rPr kumimoji="0" lang="bg-BG" altLang="bg-BG" sz="3200" b="0" u="none" strike="noStrike" cap="none" normalizeH="0" baseline="0" dirty="0" smtClean="0">
+              <a:rPr kumimoji="0" lang="bg-BG" altLang="bg-BG" sz="3200" b="0" u="none" strike="noStrike" cap="none" normalizeH="0" baseline="0" dirty="0">
                 <a:ln>
                   <a:noFill/>
                 </a:ln>
@@ -17253,7 +17651,7 @@
               <a:t> </a:t>
             </a:r>
             <a:r>
-              <a:rPr kumimoji="0" lang="bg-BG" altLang="bg-BG" sz="3200" b="0" u="none" strike="noStrike" cap="none" normalizeH="0" baseline="0" dirty="0" err="1" smtClean="0">
+              <a:rPr kumimoji="0" lang="bg-BG" altLang="bg-BG" sz="3200" b="0" u="none" strike="noStrike" cap="none" normalizeH="0" baseline="0" dirty="0" err="1">
                 <a:ln>
                   <a:noFill/>
                 </a:ln>
@@ -17267,7 +17665,7 @@
               <a:t>helps</a:t>
             </a:r>
             <a:r>
-              <a:rPr kumimoji="0" lang="bg-BG" altLang="bg-BG" sz="3200" b="0" u="none" strike="noStrike" cap="none" normalizeH="0" baseline="0" dirty="0" smtClean="0">
+              <a:rPr kumimoji="0" lang="bg-BG" altLang="bg-BG" sz="3200" b="0" u="none" strike="noStrike" cap="none" normalizeH="0" baseline="0" dirty="0">
                 <a:ln>
                   <a:noFill/>
                 </a:ln>
@@ -17281,7 +17679,7 @@
               <a:t> </a:t>
             </a:r>
             <a:r>
-              <a:rPr kumimoji="0" lang="bg-BG" altLang="bg-BG" sz="3200" b="0" u="none" strike="noStrike" cap="none" normalizeH="0" baseline="0" dirty="0" err="1" smtClean="0">
+              <a:rPr kumimoji="0" lang="bg-BG" altLang="bg-BG" sz="3200" b="0" u="none" strike="noStrike" cap="none" normalizeH="0" baseline="0" dirty="0" err="1">
                 <a:ln>
                   <a:noFill/>
                 </a:ln>
@@ -17295,7 +17693,7 @@
               <a:t>manage</a:t>
             </a:r>
             <a:r>
-              <a:rPr kumimoji="0" lang="bg-BG" altLang="bg-BG" sz="3200" b="0" u="none" strike="noStrike" cap="none" normalizeH="0" baseline="0" dirty="0" smtClean="0">
+              <a:rPr kumimoji="0" lang="bg-BG" altLang="bg-BG" sz="3200" b="0" u="none" strike="noStrike" cap="none" normalizeH="0" baseline="0" dirty="0">
                 <a:ln>
                   <a:noFill/>
                 </a:ln>
@@ -17309,7 +17707,7 @@
               <a:t> </a:t>
             </a:r>
             <a:r>
-              <a:rPr kumimoji="0" lang="bg-BG" altLang="bg-BG" sz="3200" b="0" u="none" strike="noStrike" cap="none" normalizeH="0" baseline="0" dirty="0" err="1" smtClean="0">
+              <a:rPr kumimoji="0" lang="bg-BG" altLang="bg-BG" sz="3200" b="0" u="none" strike="noStrike" cap="none" normalizeH="0" baseline="0" dirty="0" err="1">
                 <a:ln>
                   <a:noFill/>
                 </a:ln>
@@ -17323,7 +17721,7 @@
               <a:t>people's</a:t>
             </a:r>
             <a:r>
-              <a:rPr kumimoji="0" lang="bg-BG" altLang="bg-BG" sz="3200" b="0" u="none" strike="noStrike" cap="none" normalizeH="0" baseline="0" dirty="0" smtClean="0">
+              <a:rPr kumimoji="0" lang="bg-BG" altLang="bg-BG" sz="3200" b="0" u="none" strike="noStrike" cap="none" normalizeH="0" baseline="0" dirty="0">
                 <a:ln>
                   <a:noFill/>
                 </a:ln>
@@ -17337,7 +17735,7 @@
               <a:t> </a:t>
             </a:r>
             <a:r>
-              <a:rPr kumimoji="0" lang="bg-BG" altLang="bg-BG" sz="3200" b="0" u="none" strike="noStrike" cap="none" normalizeH="0" baseline="0" dirty="0" err="1" smtClean="0">
+              <a:rPr kumimoji="0" lang="bg-BG" altLang="bg-BG" sz="3200" b="0" u="none" strike="noStrike" cap="none" normalizeH="0" baseline="0" dirty="0" err="1">
                 <a:ln>
                   <a:noFill/>
                 </a:ln>
@@ -17351,7 +17749,7 @@
               <a:t>finances</a:t>
             </a:r>
             <a:r>
-              <a:rPr kumimoji="0" lang="bg-BG" altLang="bg-BG" sz="3200" b="0" u="none" strike="noStrike" cap="none" normalizeH="0" baseline="0" dirty="0" smtClean="0">
+              <a:rPr kumimoji="0" lang="bg-BG" altLang="bg-BG" sz="3200" b="0" u="none" strike="noStrike" cap="none" normalizeH="0" baseline="0" dirty="0">
                 <a:ln>
                   <a:noFill/>
                 </a:ln>
@@ -17365,7 +17763,7 @@
               <a:t> (</a:t>
             </a:r>
             <a:r>
-              <a:rPr kumimoji="0" lang="bg-BG" altLang="bg-BG" sz="3200" b="0" u="none" strike="noStrike" cap="none" normalizeH="0" baseline="0" dirty="0" err="1" smtClean="0">
+              <a:rPr kumimoji="0" lang="bg-BG" altLang="bg-BG" sz="3200" b="0" u="none" strike="noStrike" cap="none" normalizeH="0" baseline="0" dirty="0" err="1">
                 <a:ln>
                   <a:noFill/>
                 </a:ln>
@@ -17379,7 +17777,7 @@
               <a:t>online</a:t>
             </a:r>
             <a:r>
-              <a:rPr kumimoji="0" lang="bg-BG" altLang="bg-BG" sz="3200" b="0" u="none" strike="noStrike" cap="none" normalizeH="0" baseline="0" dirty="0" smtClean="0">
+              <a:rPr kumimoji="0" lang="bg-BG" altLang="bg-BG" sz="3200" b="0" u="none" strike="noStrike" cap="none" normalizeH="0" baseline="0" dirty="0">
                 <a:ln>
                   <a:noFill/>
                 </a:ln>
@@ -17393,7 +17791,7 @@
               <a:t> </a:t>
             </a:r>
             <a:r>
-              <a:rPr kumimoji="0" lang="bg-BG" altLang="bg-BG" sz="3200" b="0" u="none" strike="noStrike" cap="none" normalizeH="0" baseline="0" dirty="0" err="1" smtClean="0">
+              <a:rPr kumimoji="0" lang="bg-BG" altLang="bg-BG" sz="3200" b="0" u="none" strike="noStrike" cap="none" normalizeH="0" baseline="0" dirty="0" err="1">
                 <a:ln>
                   <a:noFill/>
                 </a:ln>
@@ -17407,7 +17805,7 @@
               <a:t>bank</a:t>
             </a:r>
             <a:r>
-              <a:rPr kumimoji="0" lang="bg-BG" altLang="bg-BG" sz="3200" b="0" u="none" strike="noStrike" cap="none" normalizeH="0" baseline="0" dirty="0" smtClean="0">
+              <a:rPr kumimoji="0" lang="bg-BG" altLang="bg-BG" sz="3200" b="0" u="none" strike="noStrike" cap="none" normalizeH="0" baseline="0" dirty="0">
                 <a:ln>
                   <a:noFill/>
                 </a:ln>
@@ -17481,7 +17879,7 @@
 </p:sld>
 </file>
 
-<file path=ppt/slides/slide7.xml><?xml version="1.0" encoding="utf-8"?>
+<file path=ppt/slides/slide8.xml><?xml version="1.0" encoding="utf-8"?>
 <p:sld xmlns:a="http://schemas.openxmlformats.org/drawingml/2006/main" xmlns:r="http://schemas.openxmlformats.org/officeDocument/2006/relationships" xmlns:p="http://schemas.openxmlformats.org/presentationml/2006/main">
   <p:cSld>
     <p:bg>
@@ -17720,7 +18118,7 @@
 </p:sld>
 </file>
 
-<file path=ppt/slides/slide8.xml><?xml version="1.0" encoding="utf-8"?>
+<file path=ppt/slides/slide9.xml><?xml version="1.0" encoding="utf-8"?>
 <p:sld xmlns:a="http://schemas.openxmlformats.org/drawingml/2006/main" xmlns:r="http://schemas.openxmlformats.org/officeDocument/2006/relationships" xmlns:p="http://schemas.openxmlformats.org/presentationml/2006/main">
   <p:cSld>
     <p:bg>
@@ -19052,7 +19450,7 @@
           <a:lstStyle/>
           <a:p>
             <a:r>
-              <a:rPr lang="en-US" sz="3600" dirty="0" smtClean="0">
+              <a:rPr lang="en-US" sz="3600" dirty="0">
                 <a:solidFill>
                   <a:schemeClr val="tx1"/>
                 </a:solidFill>
@@ -19162,245 +19560,6 @@
         </p:txBody>
       </p:sp>
     </p:spTree>
-  </p:cSld>
-  <p:clrMapOvr>
-    <a:masterClrMapping/>
-  </p:clrMapOvr>
-  <p:transition spd="slow">
-    <p:wipe/>
-  </p:transition>
-</p:sld>
-</file>
-
-<file path=ppt/slides/slide9.xml><?xml version="1.0" encoding="utf-8"?>
-<p:sld xmlns:a="http://schemas.openxmlformats.org/drawingml/2006/main" xmlns:r="http://schemas.openxmlformats.org/officeDocument/2006/relationships" xmlns:p="http://schemas.openxmlformats.org/presentationml/2006/main">
-  <p:cSld>
-    <p:bg>
-      <p:bgPr>
-        <a:blipFill dpi="0" rotWithShape="1">
-          <a:blip r:embed="rId3">
-            <a:lum/>
-          </a:blip>
-          <a:srcRect/>
-          <a:stretch>
-            <a:fillRect/>
-          </a:stretch>
-        </a:blipFill>
-        <a:effectLst/>
-      </p:bgPr>
-    </p:bg>
-    <p:spTree>
-      <p:nvGrpSpPr>
-        <p:cNvPr id="1" name="Shape 1387"/>
-        <p:cNvGrpSpPr/>
-        <p:nvPr/>
-      </p:nvGrpSpPr>
-      <p:grpSpPr>
-        <a:xfrm>
-          <a:off x="0" y="0"/>
-          <a:ext cx="0" cy="0"/>
-          <a:chOff x="0" y="0"/>
-          <a:chExt cx="0" cy="0"/>
-        </a:xfrm>
-      </p:grpSpPr>
-      <p:sp>
-        <p:nvSpPr>
-          <p:cNvPr id="1388" name="Google Shape;1388;p62"/>
-          <p:cNvSpPr txBox="1">
-            <a:spLocks noGrp="1"/>
-          </p:cNvSpPr>
-          <p:nvPr>
-            <p:ph type="title"/>
-          </p:nvPr>
-        </p:nvSpPr>
-        <p:spPr>
-          <a:xfrm>
-            <a:off x="1610898" y="2072887"/>
-            <a:ext cx="5922204" cy="2068531"/>
-          </a:xfrm>
-          <a:prstGeom prst="rect">
-            <a:avLst/>
-          </a:prstGeom>
-        </p:spPr>
-        <p:txBody>
-          <a:bodyPr spcFirstLastPara="1" wrap="square" lIns="91425" tIns="91425" rIns="91425" bIns="91425" anchor="ctr" anchorCtr="0">
-            <a:noAutofit/>
-          </a:bodyPr>
-          <a:lstStyle/>
-          <a:p>
-            <a:pPr marL="0" lvl="0" indent="0" rtl="0">
-              <a:spcBef>
-                <a:spcPts val="0"/>
-              </a:spcBef>
-              <a:spcAft>
-                <a:spcPts val="0"/>
-              </a:spcAft>
-              <a:buNone/>
-            </a:pPr>
-            <a:r>
-              <a:rPr lang="en-US" sz="6600" dirty="0">
-                <a:solidFill>
-                  <a:schemeClr val="tx1"/>
-                </a:solidFill>
-                <a:effectLst>
-                  <a:outerShdw blurRad="50800" dist="38100" dir="5400000" algn="t" rotWithShape="0">
-                    <a:prstClr val="black">
-                      <a:alpha val="40000"/>
-                    </a:prstClr>
-                  </a:outerShdw>
-                  <a:reflection blurRad="6350" stA="60000" endA="900" endPos="58000" dir="5400000" sy="-100000" algn="bl" rotWithShape="0"/>
-                </a:effectLst>
-                <a:latin typeface="Cascadia Mono SemiBold" panose="020B0609020000020004" pitchFamily="49" charset="0"/>
-                <a:cs typeface="Cascadia Mono SemiBold" panose="020B0609020000020004" pitchFamily="49" charset="0"/>
-              </a:rPr>
-              <a:t>Used languages</a:t>
-            </a:r>
-            <a:endParaRPr sz="6600" dirty="0">
-              <a:solidFill>
-                <a:schemeClr val="tx1"/>
-              </a:solidFill>
-              <a:effectLst>
-                <a:outerShdw blurRad="50800" dist="38100" dir="5400000" algn="t" rotWithShape="0">
-                  <a:prstClr val="black">
-                    <a:alpha val="40000"/>
-                  </a:prstClr>
-                </a:outerShdw>
-                <a:reflection blurRad="6350" stA="60000" endA="900" endPos="58000" dir="5400000" sy="-100000" algn="bl" rotWithShape="0"/>
-              </a:effectLst>
-              <a:latin typeface="Cascadia Mono SemiBold" panose="020B0609020000020004" pitchFamily="49" charset="0"/>
-              <a:cs typeface="Cascadia Mono SemiBold" panose="020B0609020000020004" pitchFamily="49" charset="0"/>
-            </a:endParaRPr>
-          </a:p>
-        </p:txBody>
-      </p:sp>
-      <p:sp>
-        <p:nvSpPr>
-          <p:cNvPr id="1389" name="Google Shape;1389;p62"/>
-          <p:cNvSpPr txBox="1">
-            <a:spLocks noGrp="1"/>
-          </p:cNvSpPr>
-          <p:nvPr>
-            <p:ph type="title" idx="2"/>
-          </p:nvPr>
-        </p:nvSpPr>
-        <p:spPr>
-          <a:xfrm>
-            <a:off x="2019300" y="859087"/>
-            <a:ext cx="5105400" cy="1213800"/>
-          </a:xfrm>
-          <a:prstGeom prst="rect">
-            <a:avLst/>
-          </a:prstGeom>
-        </p:spPr>
-        <p:txBody>
-          <a:bodyPr spcFirstLastPara="1" wrap="square" lIns="91425" tIns="91425" rIns="91425" bIns="91425" anchor="b" anchorCtr="0">
-            <a:noAutofit/>
-          </a:bodyPr>
-          <a:lstStyle/>
-          <a:p>
-            <a:pPr marL="0" lvl="0" indent="0" algn="ctr" rtl="0">
-              <a:spcBef>
-                <a:spcPts val="0"/>
-              </a:spcBef>
-              <a:spcAft>
-                <a:spcPts val="0"/>
-              </a:spcAft>
-              <a:buNone/>
-            </a:pPr>
-            <a:r>
-              <a:rPr lang="en" dirty="0">
-                <a:solidFill>
-                  <a:schemeClr val="tx1"/>
-                </a:solidFill>
-                <a:effectLst>
-                  <a:outerShdw blurRad="50800" dist="38100" dir="2700000" algn="tl" rotWithShape="0">
-                    <a:prstClr val="black">
-                      <a:alpha val="40000"/>
-                    </a:prstClr>
-                  </a:outerShdw>
-                </a:effectLst>
-                <a:latin typeface="Cascadia Mono SemiBold" panose="020B0609020000020004" pitchFamily="49" charset="0"/>
-                <a:cs typeface="Cascadia Mono SemiBold" panose="020B0609020000020004" pitchFamily="49" charset="0"/>
-              </a:rPr>
-              <a:t>04</a:t>
-            </a:r>
-            <a:endParaRPr dirty="0">
-              <a:solidFill>
-                <a:schemeClr val="tx1"/>
-              </a:solidFill>
-              <a:effectLst>
-                <a:outerShdw blurRad="50800" dist="38100" dir="2700000" algn="tl" rotWithShape="0">
-                  <a:prstClr val="black">
-                    <a:alpha val="40000"/>
-                  </a:prstClr>
-                </a:outerShdw>
-              </a:effectLst>
-              <a:latin typeface="Cascadia Mono SemiBold" panose="020B0609020000020004" pitchFamily="49" charset="0"/>
-              <a:cs typeface="Cascadia Mono SemiBold" panose="020B0609020000020004" pitchFamily="49" charset="0"/>
-            </a:endParaRPr>
-          </a:p>
-        </p:txBody>
-      </p:sp>
-      <p:sp>
-        <p:nvSpPr>
-          <p:cNvPr id="2" name="Rectangle 1">
-            <a:extLst>
-              <a:ext uri="{FF2B5EF4-FFF2-40B4-BE49-F238E27FC236}">
-                <a16:creationId xmlns:a16="http://schemas.microsoft.com/office/drawing/2014/main" id="{4282B027-0E47-EA38-2467-B74A01E5FFD7}"/>
-              </a:ext>
-            </a:extLst>
-          </p:cNvPr>
-          <p:cNvSpPr/>
-          <p:nvPr/>
-        </p:nvSpPr>
-        <p:spPr>
-          <a:xfrm>
-            <a:off x="0" y="-231112"/>
-            <a:ext cx="2341266" cy="2532185"/>
-          </a:xfrm>
-          <a:prstGeom prst="rect">
-            <a:avLst/>
-          </a:prstGeom>
-          <a:solidFill>
-            <a:srgbClr val="FFFFFF"/>
-          </a:solidFill>
-          <a:ln>
-            <a:solidFill>
-              <a:srgbClr val="FFFFFF"/>
-            </a:solidFill>
-          </a:ln>
-        </p:spPr>
-        <p:style>
-          <a:lnRef idx="2">
-            <a:schemeClr val="accent1">
-              <a:shade val="15000"/>
-            </a:schemeClr>
-          </a:lnRef>
-          <a:fillRef idx="1">
-            <a:schemeClr val="accent1"/>
-          </a:fillRef>
-          <a:effectRef idx="0">
-            <a:schemeClr val="accent1"/>
-          </a:effectRef>
-          <a:fontRef idx="minor">
-            <a:schemeClr val="lt1"/>
-          </a:fontRef>
-        </p:style>
-        <p:txBody>
-          <a:bodyPr rtlCol="0" anchor="ctr"/>
-          <a:lstStyle/>
-          <a:p>
-            <a:pPr algn="ctr"/>
-            <a:endParaRPr lang="en-US"/>
-          </a:p>
-        </p:txBody>
-      </p:sp>
-    </p:spTree>
-    <p:extLst>
-      <p:ext uri="{BB962C8B-B14F-4D97-AF65-F5344CB8AC3E}">
-        <p14:creationId xmlns:p14="http://schemas.microsoft.com/office/powerpoint/2010/main" val="3370439712"/>
-      </p:ext>
-    </p:extLst>
   </p:cSld>
   <p:clrMapOvr>
     <a:masterClrMapping/>
